--- a/Lecture Slides/Lab05-IMU-Gimbals-Motors.pptx
+++ b/Lecture Slides/Lab05-IMU-Gimbals-Motors.pptx
@@ -5,50 +5,51 @@
     <p:sldMasterId id="2147483648" r:id="rId1"/>
   </p:sldMasterIdLst>
   <p:notesMasterIdLst>
-    <p:notesMasterId r:id="rId43"/>
+    <p:notesMasterId r:id="rId44"/>
   </p:notesMasterIdLst>
   <p:sldIdLst>
-    <p:sldId id="256" r:id="rId2"/>
-    <p:sldId id="257" r:id="rId3"/>
-    <p:sldId id="262" r:id="rId4"/>
-    <p:sldId id="263" r:id="rId5"/>
-    <p:sldId id="264" r:id="rId6"/>
-    <p:sldId id="265" r:id="rId7"/>
-    <p:sldId id="321" r:id="rId8"/>
-    <p:sldId id="293" r:id="rId9"/>
-    <p:sldId id="295" r:id="rId10"/>
-    <p:sldId id="296" r:id="rId11"/>
-    <p:sldId id="297" r:id="rId12"/>
-    <p:sldId id="298" r:id="rId13"/>
-    <p:sldId id="299" r:id="rId14"/>
-    <p:sldId id="300" r:id="rId15"/>
-    <p:sldId id="301" r:id="rId16"/>
-    <p:sldId id="302" r:id="rId17"/>
-    <p:sldId id="303" r:id="rId18"/>
-    <p:sldId id="305" r:id="rId19"/>
-    <p:sldId id="310" r:id="rId20"/>
-    <p:sldId id="312" r:id="rId21"/>
-    <p:sldId id="313" r:id="rId22"/>
-    <p:sldId id="314" r:id="rId23"/>
-    <p:sldId id="320" r:id="rId24"/>
-    <p:sldId id="260" r:id="rId25"/>
-    <p:sldId id="266" r:id="rId26"/>
-    <p:sldId id="267" r:id="rId27"/>
-    <p:sldId id="269" r:id="rId28"/>
-    <p:sldId id="268" r:id="rId29"/>
-    <p:sldId id="270" r:id="rId30"/>
-    <p:sldId id="271" r:id="rId31"/>
-    <p:sldId id="315" r:id="rId32"/>
-    <p:sldId id="316" r:id="rId33"/>
-    <p:sldId id="317" r:id="rId34"/>
-    <p:sldId id="318" r:id="rId35"/>
-    <p:sldId id="324" r:id="rId36"/>
-    <p:sldId id="323" r:id="rId37"/>
-    <p:sldId id="322" r:id="rId38"/>
-    <p:sldId id="325" r:id="rId39"/>
-    <p:sldId id="326" r:id="rId40"/>
-    <p:sldId id="327" r:id="rId41"/>
-    <p:sldId id="328" r:id="rId42"/>
+    <p:sldId id="329" r:id="rId2"/>
+    <p:sldId id="256" r:id="rId3"/>
+    <p:sldId id="257" r:id="rId4"/>
+    <p:sldId id="262" r:id="rId5"/>
+    <p:sldId id="263" r:id="rId6"/>
+    <p:sldId id="264" r:id="rId7"/>
+    <p:sldId id="265" r:id="rId8"/>
+    <p:sldId id="321" r:id="rId9"/>
+    <p:sldId id="293" r:id="rId10"/>
+    <p:sldId id="295" r:id="rId11"/>
+    <p:sldId id="296" r:id="rId12"/>
+    <p:sldId id="297" r:id="rId13"/>
+    <p:sldId id="298" r:id="rId14"/>
+    <p:sldId id="299" r:id="rId15"/>
+    <p:sldId id="300" r:id="rId16"/>
+    <p:sldId id="301" r:id="rId17"/>
+    <p:sldId id="302" r:id="rId18"/>
+    <p:sldId id="303" r:id="rId19"/>
+    <p:sldId id="305" r:id="rId20"/>
+    <p:sldId id="310" r:id="rId21"/>
+    <p:sldId id="312" r:id="rId22"/>
+    <p:sldId id="313" r:id="rId23"/>
+    <p:sldId id="314" r:id="rId24"/>
+    <p:sldId id="320" r:id="rId25"/>
+    <p:sldId id="260" r:id="rId26"/>
+    <p:sldId id="266" r:id="rId27"/>
+    <p:sldId id="267" r:id="rId28"/>
+    <p:sldId id="269" r:id="rId29"/>
+    <p:sldId id="268" r:id="rId30"/>
+    <p:sldId id="270" r:id="rId31"/>
+    <p:sldId id="271" r:id="rId32"/>
+    <p:sldId id="315" r:id="rId33"/>
+    <p:sldId id="316" r:id="rId34"/>
+    <p:sldId id="317" r:id="rId35"/>
+    <p:sldId id="318" r:id="rId36"/>
+    <p:sldId id="324" r:id="rId37"/>
+    <p:sldId id="323" r:id="rId38"/>
+    <p:sldId id="322" r:id="rId39"/>
+    <p:sldId id="325" r:id="rId40"/>
+    <p:sldId id="326" r:id="rId41"/>
+    <p:sldId id="327" r:id="rId42"/>
+    <p:sldId id="328" r:id="rId43"/>
   </p:sldIdLst>
   <p:sldSz cx="9144000" cy="6858000" type="screen4x3"/>
   <p:notesSz cx="6858000" cy="9144000"/>
@@ -232,7 +233,7 @@
           <a:p>
             <a:fld id="{6047C4F8-16F2-034F-B62C-E7DA00D65955}" type="datetimeFigureOut">
               <a:rPr lang="en-US" smtClean="0"/>
-              <a:t>3/25/17</a:t>
+              <a:t>4/18/17</a:t>
             </a:fld>
             <a:endParaRPr lang="en-US"/>
           </a:p>
@@ -681,7 +682,7 @@
           <a:p>
             <a:fld id="{D7CD8825-7C65-DE49-B151-1F6315860DA4}" type="datetimeFigureOut">
               <a:rPr lang="en-US" smtClean="0"/>
-              <a:t>3/25/17</a:t>
+              <a:t>4/18/17</a:t>
             </a:fld>
             <a:endParaRPr lang="en-US"/>
           </a:p>
@@ -851,7 +852,7 @@
           <a:p>
             <a:fld id="{D7CD8825-7C65-DE49-B151-1F6315860DA4}" type="datetimeFigureOut">
               <a:rPr lang="en-US" smtClean="0"/>
-              <a:t>3/25/17</a:t>
+              <a:t>4/18/17</a:t>
             </a:fld>
             <a:endParaRPr lang="en-US"/>
           </a:p>
@@ -1031,7 +1032,7 @@
           <a:p>
             <a:fld id="{D7CD8825-7C65-DE49-B151-1F6315860DA4}" type="datetimeFigureOut">
               <a:rPr lang="en-US" smtClean="0"/>
-              <a:t>3/25/17</a:t>
+              <a:t>4/18/17</a:t>
             </a:fld>
             <a:endParaRPr lang="en-US"/>
           </a:p>
@@ -1479,7 +1480,7 @@
           <a:p>
             <a:fld id="{D7CD8825-7C65-DE49-B151-1F6315860DA4}" type="datetimeFigureOut">
               <a:rPr lang="en-US" smtClean="0"/>
-              <a:t>3/25/17</a:t>
+              <a:t>4/18/17</a:t>
             </a:fld>
             <a:endParaRPr lang="en-US"/>
           </a:p>
@@ -1725,7 +1726,7 @@
           <a:p>
             <a:fld id="{D7CD8825-7C65-DE49-B151-1F6315860DA4}" type="datetimeFigureOut">
               <a:rPr lang="en-US" smtClean="0"/>
-              <a:t>3/25/17</a:t>
+              <a:t>4/18/17</a:t>
             </a:fld>
             <a:endParaRPr lang="en-US"/>
           </a:p>
@@ -2013,7 +2014,7 @@
           <a:p>
             <a:fld id="{D7CD8825-7C65-DE49-B151-1F6315860DA4}" type="datetimeFigureOut">
               <a:rPr lang="en-US" smtClean="0"/>
-              <a:t>3/25/17</a:t>
+              <a:t>4/18/17</a:t>
             </a:fld>
             <a:endParaRPr lang="en-US"/>
           </a:p>
@@ -2435,7 +2436,7 @@
           <a:p>
             <a:fld id="{D7CD8825-7C65-DE49-B151-1F6315860DA4}" type="datetimeFigureOut">
               <a:rPr lang="en-US" smtClean="0"/>
-              <a:t>3/25/17</a:t>
+              <a:t>4/18/17</a:t>
             </a:fld>
             <a:endParaRPr lang="en-US"/>
           </a:p>
@@ -2553,7 +2554,7 @@
           <a:p>
             <a:fld id="{D7CD8825-7C65-DE49-B151-1F6315860DA4}" type="datetimeFigureOut">
               <a:rPr lang="en-US" smtClean="0"/>
-              <a:t>3/25/17</a:t>
+              <a:t>4/18/17</a:t>
             </a:fld>
             <a:endParaRPr lang="en-US"/>
           </a:p>
@@ -2648,7 +2649,7 @@
           <a:p>
             <a:fld id="{D7CD8825-7C65-DE49-B151-1F6315860DA4}" type="datetimeFigureOut">
               <a:rPr lang="en-US" smtClean="0"/>
-              <a:t>3/25/17</a:t>
+              <a:t>4/18/17</a:t>
             </a:fld>
             <a:endParaRPr lang="en-US"/>
           </a:p>
@@ -2925,7 +2926,7 @@
           <a:p>
             <a:fld id="{D7CD8825-7C65-DE49-B151-1F6315860DA4}" type="datetimeFigureOut">
               <a:rPr lang="en-US" smtClean="0"/>
-              <a:t>3/25/17</a:t>
+              <a:t>4/18/17</a:t>
             </a:fld>
             <a:endParaRPr lang="en-US"/>
           </a:p>
@@ -3178,7 +3179,7 @@
           <a:p>
             <a:fld id="{D7CD8825-7C65-DE49-B151-1F6315860DA4}" type="datetimeFigureOut">
               <a:rPr lang="en-US" smtClean="0"/>
-              <a:t>3/25/17</a:t>
+              <a:t>4/18/17</a:t>
             </a:fld>
             <a:endParaRPr lang="en-US"/>
           </a:p>
@@ -3391,7 +3392,7 @@
           <a:p>
             <a:fld id="{D7CD8825-7C65-DE49-B151-1F6315860DA4}" type="datetimeFigureOut">
               <a:rPr lang="en-US" smtClean="0"/>
-              <a:t>3/25/17</a:t>
+              <a:t>4/18/17</a:t>
             </a:fld>
             <a:endParaRPr lang="en-US"/>
           </a:p>
@@ -3774,21 +3775,17 @@
             <a:spLocks noGrp="1"/>
           </p:cNvSpPr>
           <p:nvPr>
-            <p:ph type="ctrTitle"/>
-          </p:nvPr>
-        </p:nvSpPr>
-        <p:spPr/>
-        <p:txBody>
-          <a:bodyPr/>
-          <a:lstStyle/>
-          <a:p>
-            <a:r>
-              <a:rPr lang="en-US" dirty="0" smtClean="0"/>
-              <a:t>Lab </a:t>
-            </a:r>
-            <a:r>
-              <a:rPr lang="en-US" dirty="0" smtClean="0"/>
-              <a:t>5: The IMU, The Gimbals, and the Motor</a:t>
+            <p:ph type="title"/>
+          </p:nvPr>
+        </p:nvSpPr>
+        <p:spPr/>
+        <p:txBody>
+          <a:bodyPr/>
+          <a:lstStyle/>
+          <a:p>
+            <a:r>
+              <a:rPr lang="en-US" dirty="0" smtClean="0"/>
+              <a:t>Demos</a:t>
             </a:r>
             <a:endParaRPr lang="en-US" dirty="0"/>
           </a:p>
@@ -3796,19 +3793,93 @@
       </p:sp>
       <p:sp>
         <p:nvSpPr>
-          <p:cNvPr id="3" name="Subtitle 2"/>
-          <p:cNvSpPr>
-            <a:spLocks noGrp="1"/>
-          </p:cNvSpPr>
-          <p:nvPr>
-            <p:ph type="subTitle" idx="1"/>
-          </p:nvPr>
-        </p:nvSpPr>
-        <p:spPr/>
-        <p:txBody>
-          <a:bodyPr/>
-          <a:lstStyle/>
-          <a:p>
+          <p:cNvPr id="3" name="Content Placeholder 2"/>
+          <p:cNvSpPr>
+            <a:spLocks noGrp="1"/>
+          </p:cNvSpPr>
+          <p:nvPr>
+            <p:ph idx="1"/>
+          </p:nvPr>
+        </p:nvSpPr>
+        <p:spPr/>
+        <p:txBody>
+          <a:bodyPr/>
+          <a:lstStyle/>
+          <a:p>
+            <a:r>
+              <a:rPr lang="en-US" dirty="0" smtClean="0"/>
+              <a:t>Show PWM signal changing </a:t>
+            </a:r>
+            <a:r>
+              <a:rPr lang="en-US" smtClean="0"/>
+              <a:t>duty </a:t>
+            </a:r>
+            <a:r>
+              <a:rPr lang="en-US" smtClean="0"/>
+              <a:t>cycle</a:t>
+            </a:r>
+            <a:endParaRPr lang="en-US" dirty="0" smtClean="0"/>
+          </a:p>
+          <a:p>
+            <a:r>
+              <a:rPr lang="en-US" dirty="0" smtClean="0"/>
+              <a:t>Show </a:t>
+            </a:r>
+            <a:r>
+              <a:rPr lang="en-US" dirty="0" err="1" smtClean="0"/>
+              <a:t>flyback</a:t>
+            </a:r>
+            <a:endParaRPr lang="en-US" dirty="0" smtClean="0"/>
+          </a:p>
+          <a:p>
+            <a:pPr lvl="1"/>
+            <a:r>
+              <a:rPr lang="en-US" dirty="0" smtClean="0"/>
+              <a:t>Effect of diode</a:t>
+            </a:r>
+          </a:p>
+          <a:p>
+            <a:pPr lvl="1"/>
+            <a:r>
+              <a:rPr lang="en-US" dirty="0" smtClean="0"/>
+              <a:t>Show effect on power supply noise</a:t>
+            </a:r>
+            <a:endParaRPr lang="en-US" dirty="0" smtClean="0"/>
+          </a:p>
+          <a:p>
+            <a:r>
+              <a:rPr lang="en-US" dirty="0" smtClean="0"/>
+              <a:t>Show filter on </a:t>
+            </a:r>
+            <a:r>
+              <a:rPr lang="en-US" dirty="0" err="1" smtClean="0"/>
+              <a:t>pwm</a:t>
+            </a:r>
+            <a:r>
+              <a:rPr lang="en-US" dirty="0" smtClean="0"/>
+              <a:t> line</a:t>
+            </a:r>
+          </a:p>
+          <a:p>
+            <a:pPr lvl="1"/>
+            <a:r>
+              <a:rPr lang="en-US" dirty="0" smtClean="0"/>
+              <a:t>Effect of resistor and capacitor on PWM</a:t>
+            </a:r>
+          </a:p>
+          <a:p>
+            <a:pPr lvl="1"/>
+            <a:r>
+              <a:rPr lang="en-US" dirty="0" smtClean="0"/>
+              <a:t>Show output of FET</a:t>
+            </a:r>
+          </a:p>
+          <a:p>
+            <a:pPr lvl="1"/>
+            <a:r>
+              <a:rPr lang="en-US" dirty="0" smtClean="0"/>
+              <a:t>Show affect of filter on power supply noise</a:t>
+            </a:r>
             <a:endParaRPr lang="en-US" dirty="0"/>
           </a:p>
         </p:txBody>
@@ -3816,7 +3887,7 @@
     </p:spTree>
     <p:extLst>
       <p:ext uri="{BB962C8B-B14F-4D97-AF65-F5344CB8AC3E}">
-        <p14:creationId xmlns:p14="http://schemas.microsoft.com/office/powerpoint/2010/main" val="2162257141"/>
+        <p14:creationId xmlns:p14="http://schemas.microsoft.com/office/powerpoint/2010/main" val="1691406134"/>
       </p:ext>
     </p:extLst>
   </p:cSld>
@@ -3852,6 +3923,260 @@
       </p:grpSpPr>
       <p:sp>
         <p:nvSpPr>
+          <p:cNvPr id="30" name="Shape 30"/>
+          <p:cNvSpPr>
+            <a:spLocks noGrp="1"/>
+          </p:cNvSpPr>
+          <p:nvPr>
+            <p:ph type="title"/>
+          </p:nvPr>
+        </p:nvSpPr>
+        <p:spPr/>
+        <p:txBody>
+          <a:bodyPr/>
+          <a:lstStyle>
+            <a:lvl1pPr defTabSz="768095">
+              <a:defRPr sz="6719"/>
+            </a:lvl1pPr>
+          </a:lstStyle>
+          <a:p>
+            <a:pPr lvl="0"/>
+            <a:r>
+              <a:rPr lang="en-US" smtClean="0"/>
+              <a:t>Brushed Motors</a:t>
+            </a:r>
+            <a:endParaRPr lang="en-US"/>
+          </a:p>
+        </p:txBody>
+      </p:sp>
+      <p:sp>
+        <p:nvSpPr>
+          <p:cNvPr id="4" name="Content Placeholder 3"/>
+          <p:cNvSpPr>
+            <a:spLocks noGrp="1"/>
+          </p:cNvSpPr>
+          <p:nvPr>
+            <p:ph idx="1"/>
+          </p:nvPr>
+        </p:nvSpPr>
+        <p:spPr/>
+        <p:txBody>
+          <a:bodyPr/>
+          <a:lstStyle/>
+          <a:p>
+            <a:endParaRPr lang="en-US"/>
+          </a:p>
+        </p:txBody>
+      </p:sp>
+      <p:pic>
+        <p:nvPicPr>
+          <p:cNvPr id="32" name="image04.jpg"/>
+          <p:cNvPicPr/>
+          <p:nvPr/>
+        </p:nvPicPr>
+        <p:blipFill>
+          <a:blip r:embed="rId2">
+            <a:extLst/>
+          </a:blip>
+          <a:stretch>
+            <a:fillRect/>
+          </a:stretch>
+        </p:blipFill>
+        <p:spPr>
+          <a:xfrm>
+            <a:off x="457187" y="2057400"/>
+            <a:ext cx="2466976" cy="1847851"/>
+          </a:xfrm>
+          <a:prstGeom prst="rect">
+            <a:avLst/>
+          </a:prstGeom>
+          <a:ln w="12700">
+            <a:miter lim="400000"/>
+          </a:ln>
+        </p:spPr>
+      </p:pic>
+      <p:pic>
+        <p:nvPicPr>
+          <p:cNvPr id="33" name="image01.jpg"/>
+          <p:cNvPicPr/>
+          <p:nvPr/>
+        </p:nvPicPr>
+        <p:blipFill>
+          <a:blip r:embed="rId3">
+            <a:extLst/>
+          </a:blip>
+          <a:stretch>
+            <a:fillRect/>
+          </a:stretch>
+        </p:blipFill>
+        <p:spPr>
+          <a:xfrm>
+            <a:off x="2924162" y="2057400"/>
+            <a:ext cx="2466975" cy="1847851"/>
+          </a:xfrm>
+          <a:prstGeom prst="rect">
+            <a:avLst/>
+          </a:prstGeom>
+          <a:ln w="12700">
+            <a:miter lim="400000"/>
+          </a:ln>
+        </p:spPr>
+      </p:pic>
+      <p:pic>
+        <p:nvPicPr>
+          <p:cNvPr id="34" name="image03.jpg"/>
+          <p:cNvPicPr/>
+          <p:nvPr/>
+        </p:nvPicPr>
+        <p:blipFill>
+          <a:blip r:embed="rId4">
+            <a:extLst/>
+          </a:blip>
+          <a:stretch>
+            <a:fillRect/>
+          </a:stretch>
+        </p:blipFill>
+        <p:spPr>
+          <a:xfrm>
+            <a:off x="5330599" y="2057400"/>
+            <a:ext cx="2299070" cy="1847851"/>
+          </a:xfrm>
+          <a:prstGeom prst="rect">
+            <a:avLst/>
+          </a:prstGeom>
+          <a:ln w="12700">
+            <a:miter lim="400000"/>
+          </a:ln>
+        </p:spPr>
+      </p:pic>
+      <p:pic>
+        <p:nvPicPr>
+          <p:cNvPr id="35" name="image05.jpg"/>
+          <p:cNvPicPr/>
+          <p:nvPr/>
+        </p:nvPicPr>
+        <p:blipFill>
+          <a:blip r:embed="rId5">
+            <a:extLst/>
+          </a:blip>
+          <a:stretch>
+            <a:fillRect/>
+          </a:stretch>
+        </p:blipFill>
+        <p:spPr>
+          <a:xfrm>
+            <a:off x="723950" y="3905250"/>
+            <a:ext cx="1847850" cy="1847850"/>
+          </a:xfrm>
+          <a:prstGeom prst="rect">
+            <a:avLst/>
+          </a:prstGeom>
+          <a:ln w="12700">
+            <a:miter lim="400000"/>
+          </a:ln>
+        </p:spPr>
+      </p:pic>
+      <p:pic>
+        <p:nvPicPr>
+          <p:cNvPr id="36" name="image02.jpg"/>
+          <p:cNvPicPr/>
+          <p:nvPr/>
+        </p:nvPicPr>
+        <p:blipFill>
+          <a:blip r:embed="rId6">
+            <a:extLst/>
+          </a:blip>
+          <a:stretch>
+            <a:fillRect/>
+          </a:stretch>
+        </p:blipFill>
+        <p:spPr>
+          <a:xfrm>
+            <a:off x="2933687" y="3895725"/>
+            <a:ext cx="2447926" cy="1866901"/>
+          </a:xfrm>
+          <a:prstGeom prst="rect">
+            <a:avLst/>
+          </a:prstGeom>
+          <a:ln w="12700">
+            <a:miter lim="400000"/>
+          </a:ln>
+        </p:spPr>
+      </p:pic>
+      <p:pic>
+        <p:nvPicPr>
+          <p:cNvPr id="37" name="image00.jpg"/>
+          <p:cNvPicPr/>
+          <p:nvPr/>
+        </p:nvPicPr>
+        <p:blipFill>
+          <a:blip r:embed="rId7">
+            <a:extLst/>
+          </a:blip>
+          <a:stretch>
+            <a:fillRect/>
+          </a:stretch>
+        </p:blipFill>
+        <p:spPr>
+          <a:xfrm>
+            <a:off x="5672873" y="3905248"/>
+            <a:ext cx="1847850" cy="1847850"/>
+          </a:xfrm>
+          <a:prstGeom prst="rect">
+            <a:avLst/>
+          </a:prstGeom>
+          <a:ln w="12700">
+            <a:miter lim="400000"/>
+          </a:ln>
+        </p:spPr>
+      </p:pic>
+    </p:spTree>
+    <p:extLst>
+      <p:ext uri="{BB962C8B-B14F-4D97-AF65-F5344CB8AC3E}">
+        <p14:creationId xmlns:p14="http://schemas.microsoft.com/office/powerpoint/2010/main" val="3274102892"/>
+      </p:ext>
+    </p:extLst>
+  </p:cSld>
+  <p:clrMapOvr>
+    <a:masterClrMapping/>
+  </p:clrMapOvr>
+  <mc:AlternateContent xmlns:mc="http://schemas.openxmlformats.org/markup-compatibility/2006" xmlns:p14="http://schemas.microsoft.com/office/powerpoint/2010/main">
+    <mc:Choice Requires="p14">
+      <p:transition spd="slow" p14:dur="2000"/>
+    </mc:Choice>
+    <mc:Fallback xmlns="">
+      <p:transition xmlns:p14="http://schemas.microsoft.com/office/powerpoint/2010/main" spd="slow"/>
+    </mc:Fallback>
+  </mc:AlternateContent>
+  <p:timing>
+    <p:tnLst>
+      <p:par>
+        <p:cTn xmlns:p14="http://schemas.microsoft.com/office/powerpoint/2010/main" id="1" dur="indefinite" restart="never" nodeType="tmRoot"/>
+      </p:par>
+    </p:tnLst>
+  </p:timing>
+</p:sld>
+</file>
+
+<file path=ppt/slides/slide11.xml><?xml version="1.0" encoding="utf-8"?>
+<p:sld xmlns:a="http://schemas.openxmlformats.org/drawingml/2006/main" xmlns:r="http://schemas.openxmlformats.org/officeDocument/2006/relationships" xmlns:p="http://schemas.openxmlformats.org/presentationml/2006/main">
+  <p:cSld>
+    <p:spTree>
+      <p:nvGrpSpPr>
+        <p:cNvPr id="1" name=""/>
+        <p:cNvGrpSpPr/>
+        <p:nvPr/>
+      </p:nvGrpSpPr>
+      <p:grpSpPr>
+        <a:xfrm>
+          <a:off x="0" y="0"/>
+          <a:ext cx="0" cy="0"/>
+          <a:chOff x="0" y="0"/>
+          <a:chExt cx="0" cy="0"/>
+        </a:xfrm>
+      </p:grpSpPr>
+      <p:sp>
+        <p:nvSpPr>
           <p:cNvPr id="39" name="Shape 39"/>
           <p:cNvSpPr>
             <a:spLocks noGrp="1"/>
@@ -3925,7 +4250,7 @@
 </p:sld>
 </file>
 
-<file path=ppt/slides/slide11.xml><?xml version="1.0" encoding="utf-8"?>
+<file path=ppt/slides/slide12.xml><?xml version="1.0" encoding="utf-8"?>
 <p:sld xmlns:a="http://schemas.openxmlformats.org/drawingml/2006/main" xmlns:r="http://schemas.openxmlformats.org/officeDocument/2006/relationships" xmlns:p="http://schemas.openxmlformats.org/presentationml/2006/main">
   <p:cSld>
     <p:spTree>
@@ -4044,7 +4369,7 @@
 </p:sld>
 </file>
 
-<file path=ppt/slides/slide12.xml><?xml version="1.0" encoding="utf-8"?>
+<file path=ppt/slides/slide13.xml><?xml version="1.0" encoding="utf-8"?>
 <p:sld xmlns:a="http://schemas.openxmlformats.org/drawingml/2006/main" xmlns:r="http://schemas.openxmlformats.org/officeDocument/2006/relationships" xmlns:p="http://schemas.openxmlformats.org/presentationml/2006/main">
   <p:cSld>
     <p:spTree>
@@ -4163,7 +4488,7 @@
 </p:sld>
 </file>
 
-<file path=ppt/slides/slide13.xml><?xml version="1.0" encoding="utf-8"?>
+<file path=ppt/slides/slide14.xml><?xml version="1.0" encoding="utf-8"?>
 <p:sld xmlns:a="http://schemas.openxmlformats.org/drawingml/2006/main" xmlns:r="http://schemas.openxmlformats.org/officeDocument/2006/relationships" xmlns:p="http://schemas.openxmlformats.org/presentationml/2006/main">
   <p:cSld>
     <p:spTree>
@@ -4282,7 +4607,7 @@
 </p:sld>
 </file>
 
-<file path=ppt/slides/slide14.xml><?xml version="1.0" encoding="utf-8"?>
+<file path=ppt/slides/slide15.xml><?xml version="1.0" encoding="utf-8"?>
 <p:sld xmlns:a="http://schemas.openxmlformats.org/drawingml/2006/main" xmlns:r="http://schemas.openxmlformats.org/officeDocument/2006/relationships" xmlns:p="http://schemas.openxmlformats.org/presentationml/2006/main">
   <p:cSld>
     <p:spTree>
@@ -4401,7 +4726,7 @@
 </p:sld>
 </file>
 
-<file path=ppt/slides/slide15.xml><?xml version="1.0" encoding="utf-8"?>
+<file path=ppt/slides/slide16.xml><?xml version="1.0" encoding="utf-8"?>
 <p:sld xmlns:a="http://schemas.openxmlformats.org/drawingml/2006/main" xmlns:r="http://schemas.openxmlformats.org/officeDocument/2006/relationships" xmlns:p="http://schemas.openxmlformats.org/presentationml/2006/main">
   <p:cSld>
     <p:spTree>
@@ -4520,7 +4845,7 @@
 </p:sld>
 </file>
 
-<file path=ppt/slides/slide16.xml><?xml version="1.0" encoding="utf-8"?>
+<file path=ppt/slides/slide17.xml><?xml version="1.0" encoding="utf-8"?>
 <p:sld xmlns:a="http://schemas.openxmlformats.org/drawingml/2006/main" xmlns:r="http://schemas.openxmlformats.org/officeDocument/2006/relationships" xmlns:p="http://schemas.openxmlformats.org/presentationml/2006/main">
   <p:cSld>
     <p:spTree>
@@ -4639,7 +4964,7 @@
 </p:sld>
 </file>
 
-<file path=ppt/slides/slide17.xml><?xml version="1.0" encoding="utf-8"?>
+<file path=ppt/slides/slide18.xml><?xml version="1.0" encoding="utf-8"?>
 <p:sld xmlns:a="http://schemas.openxmlformats.org/drawingml/2006/main" xmlns:r="http://schemas.openxmlformats.org/officeDocument/2006/relationships" xmlns:p="http://schemas.openxmlformats.org/presentationml/2006/main">
   <p:cSld>
     <p:spTree>
@@ -4758,7 +5083,7 @@
 </p:sld>
 </file>
 
-<file path=ppt/slides/slide18.xml><?xml version="1.0" encoding="utf-8"?>
+<file path=ppt/slides/slide19.xml><?xml version="1.0" encoding="utf-8"?>
 <p:sld xmlns:a="http://schemas.openxmlformats.org/drawingml/2006/main" xmlns:r="http://schemas.openxmlformats.org/officeDocument/2006/relationships" xmlns:p="http://schemas.openxmlformats.org/presentationml/2006/main">
   <p:cSld>
     <p:spTree>
@@ -4834,7 +5159,6 @@
               <a:rPr lang="en-US" dirty="0" smtClean="0"/>
               <a:t>Opening S1 makes M1 an inductor </a:t>
             </a:r>
-            <a:endParaRPr lang="en-US" dirty="0" smtClean="0"/>
           </a:p>
           <a:p>
             <a:pPr lvl="1"/>
@@ -4842,7 +5166,6 @@
               <a:rPr lang="en-US" dirty="0" smtClean="0"/>
               <a:t>Drives up voltage M1-</a:t>
             </a:r>
-            <a:endParaRPr lang="en-US" dirty="0" smtClean="0"/>
           </a:p>
           <a:p>
             <a:pPr lvl="1"/>
@@ -4864,16 +5187,11 @@
               <a:rPr lang="en-US" dirty="0" smtClean="0"/>
               <a:t>Causes noise on power supply.</a:t>
             </a:r>
-            <a:endParaRPr lang="en-US" dirty="0" smtClean="0"/>
-          </a:p>
-          <a:p>
-            <a:r>
-              <a:rPr lang="en-US" dirty="0" smtClean="0"/>
-              <a:t>This is called “fly back</a:t>
-            </a:r>
-            <a:r>
-              <a:rPr lang="en-US" dirty="0" smtClean="0"/>
-              <a:t>”</a:t>
+          </a:p>
+          <a:p>
+            <a:r>
+              <a:rPr lang="en-US" dirty="0" smtClean="0"/>
+              <a:t>This is called “fly back”</a:t>
             </a:r>
           </a:p>
           <a:p>
@@ -5152,7 +5470,86 @@
 </p:sld>
 </file>
 
-<file path=ppt/slides/slide19.xml><?xml version="1.0" encoding="utf-8"?>
+<file path=ppt/slides/slide2.xml><?xml version="1.0" encoding="utf-8"?>
+<p:sld xmlns:a="http://schemas.openxmlformats.org/drawingml/2006/main" xmlns:r="http://schemas.openxmlformats.org/officeDocument/2006/relationships" xmlns:p="http://schemas.openxmlformats.org/presentationml/2006/main">
+  <p:cSld>
+    <p:spTree>
+      <p:nvGrpSpPr>
+        <p:cNvPr id="1" name=""/>
+        <p:cNvGrpSpPr/>
+        <p:nvPr/>
+      </p:nvGrpSpPr>
+      <p:grpSpPr>
+        <a:xfrm>
+          <a:off x="0" y="0"/>
+          <a:ext cx="0" cy="0"/>
+          <a:chOff x="0" y="0"/>
+          <a:chExt cx="0" cy="0"/>
+        </a:xfrm>
+      </p:grpSpPr>
+      <p:sp>
+        <p:nvSpPr>
+          <p:cNvPr id="2" name="Title 1"/>
+          <p:cNvSpPr>
+            <a:spLocks noGrp="1"/>
+          </p:cNvSpPr>
+          <p:nvPr>
+            <p:ph type="ctrTitle"/>
+          </p:nvPr>
+        </p:nvSpPr>
+        <p:spPr/>
+        <p:txBody>
+          <a:bodyPr/>
+          <a:lstStyle/>
+          <a:p>
+            <a:r>
+              <a:rPr lang="en-US" dirty="0" smtClean="0"/>
+              <a:t>Lab 5: The IMU, The Gimbals, and the Motor</a:t>
+            </a:r>
+            <a:endParaRPr lang="en-US" dirty="0"/>
+          </a:p>
+        </p:txBody>
+      </p:sp>
+      <p:sp>
+        <p:nvSpPr>
+          <p:cNvPr id="3" name="Subtitle 2"/>
+          <p:cNvSpPr>
+            <a:spLocks noGrp="1"/>
+          </p:cNvSpPr>
+          <p:nvPr>
+            <p:ph type="subTitle" idx="1"/>
+          </p:nvPr>
+        </p:nvSpPr>
+        <p:spPr/>
+        <p:txBody>
+          <a:bodyPr/>
+          <a:lstStyle/>
+          <a:p>
+            <a:endParaRPr lang="en-US" dirty="0"/>
+          </a:p>
+        </p:txBody>
+      </p:sp>
+    </p:spTree>
+    <p:extLst>
+      <p:ext uri="{BB962C8B-B14F-4D97-AF65-F5344CB8AC3E}">
+        <p14:creationId xmlns:p14="http://schemas.microsoft.com/office/powerpoint/2010/main" val="2162257141"/>
+      </p:ext>
+    </p:extLst>
+  </p:cSld>
+  <p:clrMapOvr>
+    <a:masterClrMapping/>
+  </p:clrMapOvr>
+  <p:timing>
+    <p:tnLst>
+      <p:par>
+        <p:cTn xmlns:p14="http://schemas.microsoft.com/office/powerpoint/2010/main" id="1" dur="indefinite" restart="never" nodeType="tmRoot"/>
+      </p:par>
+    </p:tnLst>
+  </p:timing>
+</p:sld>
+</file>
+
+<file path=ppt/slides/slide20.xml><?xml version="1.0" encoding="utf-8"?>
 <p:sld xmlns:a="http://schemas.openxmlformats.org/drawingml/2006/main" xmlns:r="http://schemas.openxmlformats.org/officeDocument/2006/relationships" xmlns:p="http://schemas.openxmlformats.org/presentationml/2006/main">
   <p:cSld>
     <p:spTree>
@@ -5283,149 +5680,7 @@
 </p:sld>
 </file>
 
-<file path=ppt/slides/slide2.xml><?xml version="1.0" encoding="utf-8"?>
-<p:sld xmlns:a="http://schemas.openxmlformats.org/drawingml/2006/main" xmlns:r="http://schemas.openxmlformats.org/officeDocument/2006/relationships" xmlns:p="http://schemas.openxmlformats.org/presentationml/2006/main">
-  <p:cSld>
-    <p:spTree>
-      <p:nvGrpSpPr>
-        <p:cNvPr id="1" name=""/>
-        <p:cNvGrpSpPr/>
-        <p:nvPr/>
-      </p:nvGrpSpPr>
-      <p:grpSpPr>
-        <a:xfrm>
-          <a:off x="0" y="0"/>
-          <a:ext cx="0" cy="0"/>
-          <a:chOff x="0" y="0"/>
-          <a:chExt cx="0" cy="0"/>
-        </a:xfrm>
-      </p:grpSpPr>
-      <p:sp>
-        <p:nvSpPr>
-          <p:cNvPr id="2" name="Title 1"/>
-          <p:cNvSpPr>
-            <a:spLocks noGrp="1"/>
-          </p:cNvSpPr>
-          <p:nvPr>
-            <p:ph type="title"/>
-          </p:nvPr>
-        </p:nvSpPr>
-        <p:spPr/>
-        <p:txBody>
-          <a:bodyPr/>
-          <a:lstStyle/>
-          <a:p>
-            <a:r>
-              <a:rPr lang="en-US" dirty="0" smtClean="0"/>
-              <a:t>The Inputs and Outputs</a:t>
-            </a:r>
-            <a:endParaRPr lang="en-US" dirty="0"/>
-          </a:p>
-        </p:txBody>
-      </p:sp>
-      <p:sp>
-        <p:nvSpPr>
-          <p:cNvPr id="3" name="Content Placeholder 2"/>
-          <p:cNvSpPr>
-            <a:spLocks noGrp="1"/>
-          </p:cNvSpPr>
-          <p:nvPr>
-            <p:ph idx="1"/>
-          </p:nvPr>
-        </p:nvSpPr>
-        <p:spPr/>
-        <p:txBody>
-          <a:bodyPr/>
-          <a:lstStyle/>
-          <a:p>
-            <a:r>
-              <a:rPr lang="en-US" dirty="0" smtClean="0"/>
-              <a:t>Gimbals </a:t>
-            </a:r>
-            <a:r>
-              <a:rPr lang="mr-IN" dirty="0" smtClean="0"/>
-              <a:t>–</a:t>
-            </a:r>
-            <a:r>
-              <a:rPr lang="en-US" dirty="0" smtClean="0"/>
-              <a:t> How they work and how to read them.</a:t>
-            </a:r>
-            <a:endParaRPr lang="en-US" dirty="0" smtClean="0"/>
-          </a:p>
-          <a:p>
-            <a:r>
-              <a:rPr lang="en-US" dirty="0" smtClean="0"/>
-              <a:t>Brushed Motors – How they work and how to drive them</a:t>
-            </a:r>
-            <a:r>
-              <a:rPr lang="en-US" dirty="0" smtClean="0"/>
-              <a:t>.</a:t>
-            </a:r>
-          </a:p>
-          <a:p>
-            <a:r>
-              <a:rPr lang="en-US" dirty="0" smtClean="0"/>
-              <a:t>The IMU </a:t>
-            </a:r>
-            <a:r>
-              <a:rPr lang="mr-IN" dirty="0" smtClean="0"/>
-              <a:t>– </a:t>
-            </a:r>
-            <a:r>
-              <a:rPr lang="en-US" dirty="0" smtClean="0"/>
-              <a:t>microcontroller </a:t>
-            </a:r>
-            <a:r>
-              <a:rPr lang="en-US" dirty="0"/>
-              <a:t>and IMU </a:t>
-            </a:r>
-            <a:r>
-              <a:rPr lang="en-US" dirty="0" smtClean="0"/>
-              <a:t>communicate.</a:t>
-            </a:r>
-          </a:p>
-          <a:p>
-            <a:r>
-              <a:rPr lang="en-US" dirty="0"/>
-              <a:t>The serial display, </a:t>
-            </a:r>
-            <a:r>
-              <a:rPr lang="en-US" dirty="0" smtClean="0"/>
-              <a:t>LEDs, etc. </a:t>
-            </a:r>
-            <a:r>
-              <a:rPr lang="mr-IN" dirty="0" smtClean="0"/>
-              <a:t>–</a:t>
-            </a:r>
-            <a:r>
-              <a:rPr lang="en-US" dirty="0" smtClean="0"/>
-              <a:t> Communicating with the pilot.</a:t>
-            </a:r>
-            <a:endParaRPr lang="en-US" dirty="0"/>
-          </a:p>
-        </p:txBody>
-      </p:sp>
-    </p:spTree>
-    <p:extLst>
-      <p:ext uri="{BB962C8B-B14F-4D97-AF65-F5344CB8AC3E}">
-        <p14:creationId xmlns:p14="http://schemas.microsoft.com/office/powerpoint/2010/main" val="3616619296"/>
-      </p:ext>
-    </p:extLst>
-  </p:cSld>
-  <p:clrMapOvr>
-    <a:masterClrMapping/>
-  </p:clrMapOvr>
-  <p:timing>
-    <p:tnLst>
-      <p:par>
-        <p:cTn xmlns:p14="http://schemas.microsoft.com/office/powerpoint/2010/main" id="1" dur="indefinite" restart="never" nodeType="tmRoot"/>
-      </p:par>
-    </p:tnLst>
-  </p:timing>
-</p:sld>
-</file>
-
-<file path=ppt/slides/slide20.xml><?xml version="1.0" encoding="utf-8"?>
+<file path=ppt/slides/slide21.xml><?xml version="1.0" encoding="utf-8"?>
 <p:sld xmlns:a="http://schemas.openxmlformats.org/drawingml/2006/main" xmlns:r="http://schemas.openxmlformats.org/officeDocument/2006/relationships" xmlns:p="http://schemas.openxmlformats.org/presentationml/2006/main">
   <p:cSld>
     <p:spTree>
@@ -5546,7 +5801,7 @@
 </p:sld>
 </file>
 
-<file path=ppt/slides/slide21.xml><?xml version="1.0" encoding="utf-8"?>
+<file path=ppt/slides/slide22.xml><?xml version="1.0" encoding="utf-8"?>
 <p:sld xmlns:a="http://schemas.openxmlformats.org/drawingml/2006/main" xmlns:r="http://schemas.openxmlformats.org/officeDocument/2006/relationships" xmlns:p="http://schemas.openxmlformats.org/presentationml/2006/main">
   <p:cSld>
     <p:spTree>
@@ -5711,7 +5966,7 @@
 </p:sld>
 </file>
 
-<file path=ppt/slides/slide22.xml><?xml version="1.0" encoding="utf-8"?>
+<file path=ppt/slides/slide23.xml><?xml version="1.0" encoding="utf-8"?>
 <p:sld xmlns:a="http://schemas.openxmlformats.org/drawingml/2006/main" xmlns:r="http://schemas.openxmlformats.org/officeDocument/2006/relationships" xmlns:p="http://schemas.openxmlformats.org/presentationml/2006/main">
   <p:cSld>
     <p:spTree>
@@ -5808,7 +6063,7 @@
 </p:sld>
 </file>
 
-<file path=ppt/slides/slide23.xml><?xml version="1.0" encoding="utf-8"?>
+<file path=ppt/slides/slide24.xml><?xml version="1.0" encoding="utf-8"?>
 <p:sld xmlns:a="http://schemas.openxmlformats.org/drawingml/2006/main" xmlns:r="http://schemas.openxmlformats.org/officeDocument/2006/relationships" xmlns:p="http://schemas.openxmlformats.org/presentationml/2006/main">
   <p:cSld>
     <p:spTree>
@@ -5869,13 +6124,8 @@
           <a:p>
             <a:r>
               <a:rPr lang="en-US" dirty="0" smtClean="0"/>
-              <a:t>The red board board has several analog </a:t>
-            </a:r>
-            <a:r>
-              <a:rPr lang="en-US" dirty="0" smtClean="0"/>
-              <a:t>output (PWM) pins</a:t>
-            </a:r>
-            <a:endParaRPr lang="en-US" dirty="0" smtClean="0"/>
+              <a:t>The red board board has several analog output (PWM) pins</a:t>
+            </a:r>
           </a:p>
           <a:p>
             <a:r>
@@ -5894,17 +6144,12 @@
               <a:rPr lang="en-US" dirty="0" smtClean="0"/>
               <a:t> pin)</a:t>
             </a:r>
-            <a:endParaRPr lang="en-US" dirty="0" smtClean="0"/>
           </a:p>
           <a:p>
             <a:pPr lvl="1"/>
             <a:r>
               <a:rPr lang="en-US" dirty="0" smtClean="0"/>
-              <a:t>Takes a value, x, between 0 (off) and 255 (on) and sets the duty cycle to x/255</a:t>
-            </a:r>
-            <a:r>
-              <a:rPr lang="en-US" dirty="0" smtClean="0"/>
-              <a:t>.</a:t>
+              <a:t>Takes a value, x, between 0 (off) and 255 (on) and sets the duty cycle to x/255.</a:t>
             </a:r>
           </a:p>
         </p:txBody>
@@ -5929,7 +6174,7 @@
 </p:sld>
 </file>
 
-<file path=ppt/slides/slide24.xml><?xml version="1.0" encoding="utf-8"?>
+<file path=ppt/slides/slide25.xml><?xml version="1.0" encoding="utf-8"?>
 <p:sld xmlns:a="http://schemas.openxmlformats.org/drawingml/2006/main" xmlns:r="http://schemas.openxmlformats.org/officeDocument/2006/relationships" xmlns:p="http://schemas.openxmlformats.org/presentationml/2006/main">
   <p:cSld>
     <p:spTree>
@@ -6008,7 +6253,7 @@
 </p:sld>
 </file>
 
-<file path=ppt/slides/slide25.xml><?xml version="1.0" encoding="utf-8"?>
+<file path=ppt/slides/slide26.xml><?xml version="1.0" encoding="utf-8"?>
 <p:sld xmlns:a="http://schemas.openxmlformats.org/drawingml/2006/main" xmlns:r="http://schemas.openxmlformats.org/officeDocument/2006/relationships" xmlns:p="http://schemas.openxmlformats.org/presentationml/2006/main">
   <p:cSld>
     <p:spTree>
@@ -6119,7 +6364,7 @@
 </p:sld>
 </file>
 
-<file path=ppt/slides/slide26.xml><?xml version="1.0" encoding="utf-8"?>
+<file path=ppt/slides/slide27.xml><?xml version="1.0" encoding="utf-8"?>
 <p:sld xmlns:a="http://schemas.openxmlformats.org/drawingml/2006/main" xmlns:r="http://schemas.openxmlformats.org/officeDocument/2006/relationships" xmlns:p="http://schemas.openxmlformats.org/presentationml/2006/main">
   <p:cSld>
     <p:spTree>
@@ -6233,7 +6478,7 @@
 </p:sld>
 </file>
 
-<file path=ppt/slides/slide27.xml><?xml version="1.0" encoding="utf-8"?>
+<file path=ppt/slides/slide28.xml><?xml version="1.0" encoding="utf-8"?>
 <p:sld xmlns:a="http://schemas.openxmlformats.org/drawingml/2006/main" xmlns:r="http://schemas.openxmlformats.org/officeDocument/2006/relationships" xmlns:p="http://schemas.openxmlformats.org/presentationml/2006/main">
   <p:cSld>
     <p:spTree>
@@ -6410,7 +6655,7 @@
 </p:sld>
 </file>
 
-<file path=ppt/slides/slide28.xml><?xml version="1.0" encoding="utf-8"?>
+<file path=ppt/slides/slide29.xml><?xml version="1.0" encoding="utf-8"?>
 <p:sld xmlns:a="http://schemas.openxmlformats.org/drawingml/2006/main" xmlns:r="http://schemas.openxmlformats.org/officeDocument/2006/relationships" xmlns:p="http://schemas.openxmlformats.org/presentationml/2006/main">
   <p:cSld>
     <p:spTree>
@@ -6555,7 +6800,144 @@
 </p:sld>
 </file>
 
-<file path=ppt/slides/slide29.xml><?xml version="1.0" encoding="utf-8"?>
+<file path=ppt/slides/slide3.xml><?xml version="1.0" encoding="utf-8"?>
+<p:sld xmlns:a="http://schemas.openxmlformats.org/drawingml/2006/main" xmlns:r="http://schemas.openxmlformats.org/officeDocument/2006/relationships" xmlns:p="http://schemas.openxmlformats.org/presentationml/2006/main">
+  <p:cSld>
+    <p:spTree>
+      <p:nvGrpSpPr>
+        <p:cNvPr id="1" name=""/>
+        <p:cNvGrpSpPr/>
+        <p:nvPr/>
+      </p:nvGrpSpPr>
+      <p:grpSpPr>
+        <a:xfrm>
+          <a:off x="0" y="0"/>
+          <a:ext cx="0" cy="0"/>
+          <a:chOff x="0" y="0"/>
+          <a:chExt cx="0" cy="0"/>
+        </a:xfrm>
+      </p:grpSpPr>
+      <p:sp>
+        <p:nvSpPr>
+          <p:cNvPr id="2" name="Title 1"/>
+          <p:cNvSpPr>
+            <a:spLocks noGrp="1"/>
+          </p:cNvSpPr>
+          <p:nvPr>
+            <p:ph type="title"/>
+          </p:nvPr>
+        </p:nvSpPr>
+        <p:spPr/>
+        <p:txBody>
+          <a:bodyPr/>
+          <a:lstStyle/>
+          <a:p>
+            <a:r>
+              <a:rPr lang="en-US" dirty="0" smtClean="0"/>
+              <a:t>The Inputs and Outputs</a:t>
+            </a:r>
+            <a:endParaRPr lang="en-US" dirty="0"/>
+          </a:p>
+        </p:txBody>
+      </p:sp>
+      <p:sp>
+        <p:nvSpPr>
+          <p:cNvPr id="3" name="Content Placeholder 2"/>
+          <p:cNvSpPr>
+            <a:spLocks noGrp="1"/>
+          </p:cNvSpPr>
+          <p:nvPr>
+            <p:ph idx="1"/>
+          </p:nvPr>
+        </p:nvSpPr>
+        <p:spPr/>
+        <p:txBody>
+          <a:bodyPr/>
+          <a:lstStyle/>
+          <a:p>
+            <a:r>
+              <a:rPr lang="en-US" dirty="0" smtClean="0"/>
+              <a:t>Gimbals </a:t>
+            </a:r>
+            <a:r>
+              <a:rPr lang="mr-IN" dirty="0" smtClean="0"/>
+              <a:t>–</a:t>
+            </a:r>
+            <a:r>
+              <a:rPr lang="en-US" dirty="0" smtClean="0"/>
+              <a:t> How they work and how to read them.</a:t>
+            </a:r>
+          </a:p>
+          <a:p>
+            <a:r>
+              <a:rPr lang="en-US" dirty="0" smtClean="0"/>
+              <a:t>Brushed Motors – How they work and how to drive them.</a:t>
+            </a:r>
+          </a:p>
+          <a:p>
+            <a:r>
+              <a:rPr lang="en-US" dirty="0" smtClean="0"/>
+              <a:t>The IMU </a:t>
+            </a:r>
+            <a:r>
+              <a:rPr lang="mr-IN" dirty="0" smtClean="0"/>
+              <a:t>– </a:t>
+            </a:r>
+            <a:r>
+              <a:rPr lang="en-US" dirty="0" smtClean="0"/>
+              <a:t>microcontroller </a:t>
+            </a:r>
+            <a:r>
+              <a:rPr lang="en-US" dirty="0"/>
+              <a:t>and IMU </a:t>
+            </a:r>
+            <a:r>
+              <a:rPr lang="en-US" dirty="0" smtClean="0"/>
+              <a:t>communicate.</a:t>
+            </a:r>
+          </a:p>
+          <a:p>
+            <a:r>
+              <a:rPr lang="en-US" dirty="0"/>
+              <a:t>The serial display, </a:t>
+            </a:r>
+            <a:r>
+              <a:rPr lang="en-US" dirty="0" smtClean="0"/>
+              <a:t>LEDs, etc. </a:t>
+            </a:r>
+            <a:r>
+              <a:rPr lang="mr-IN" dirty="0" smtClean="0"/>
+              <a:t>–</a:t>
+            </a:r>
+            <a:r>
+              <a:rPr lang="en-US" dirty="0" smtClean="0"/>
+              <a:t> Communicating with the pilot.</a:t>
+            </a:r>
+            <a:endParaRPr lang="en-US" dirty="0"/>
+          </a:p>
+        </p:txBody>
+      </p:sp>
+    </p:spTree>
+    <p:extLst>
+      <p:ext uri="{BB962C8B-B14F-4D97-AF65-F5344CB8AC3E}">
+        <p14:creationId xmlns:p14="http://schemas.microsoft.com/office/powerpoint/2010/main" val="3616619296"/>
+      </p:ext>
+    </p:extLst>
+  </p:cSld>
+  <p:clrMapOvr>
+    <a:masterClrMapping/>
+  </p:clrMapOvr>
+  <p:timing>
+    <p:tnLst>
+      <p:par>
+        <p:cTn xmlns:p14="http://schemas.microsoft.com/office/powerpoint/2010/main" id="1" dur="indefinite" restart="never" nodeType="tmRoot"/>
+      </p:par>
+    </p:tnLst>
+  </p:timing>
+</p:sld>
+</file>
+
+<file path=ppt/slides/slide30.xml><?xml version="1.0" encoding="utf-8"?>
 <p:sld xmlns:a="http://schemas.openxmlformats.org/drawingml/2006/main" xmlns:r="http://schemas.openxmlformats.org/officeDocument/2006/relationships" xmlns:p="http://schemas.openxmlformats.org/presentationml/2006/main">
   <p:cSld>
     <p:spTree>
@@ -6756,86 +7138,7 @@
 </p:sld>
 </file>
 
-<file path=ppt/slides/slide3.xml><?xml version="1.0" encoding="utf-8"?>
-<p:sld xmlns:a="http://schemas.openxmlformats.org/drawingml/2006/main" xmlns:r="http://schemas.openxmlformats.org/officeDocument/2006/relationships" xmlns:p="http://schemas.openxmlformats.org/presentationml/2006/main">
-  <p:cSld>
-    <p:spTree>
-      <p:nvGrpSpPr>
-        <p:cNvPr id="1" name=""/>
-        <p:cNvGrpSpPr/>
-        <p:nvPr/>
-      </p:nvGrpSpPr>
-      <p:grpSpPr>
-        <a:xfrm>
-          <a:off x="0" y="0"/>
-          <a:ext cx="0" cy="0"/>
-          <a:chOff x="0" y="0"/>
-          <a:chExt cx="0" cy="0"/>
-        </a:xfrm>
-      </p:grpSpPr>
-      <p:sp>
-        <p:nvSpPr>
-          <p:cNvPr id="2" name="Title 1"/>
-          <p:cNvSpPr>
-            <a:spLocks noGrp="1"/>
-          </p:cNvSpPr>
-          <p:nvPr>
-            <p:ph type="ctrTitle"/>
-          </p:nvPr>
-        </p:nvSpPr>
-        <p:spPr/>
-        <p:txBody>
-          <a:bodyPr/>
-          <a:lstStyle/>
-          <a:p>
-            <a:r>
-              <a:rPr lang="en-US" dirty="0" smtClean="0"/>
-              <a:t>Gimbals</a:t>
-            </a:r>
-            <a:endParaRPr lang="en-US" dirty="0"/>
-          </a:p>
-        </p:txBody>
-      </p:sp>
-      <p:sp>
-        <p:nvSpPr>
-          <p:cNvPr id="3" name="Subtitle 2"/>
-          <p:cNvSpPr>
-            <a:spLocks noGrp="1"/>
-          </p:cNvSpPr>
-          <p:nvPr>
-            <p:ph type="subTitle" idx="1"/>
-          </p:nvPr>
-        </p:nvSpPr>
-        <p:spPr/>
-        <p:txBody>
-          <a:bodyPr/>
-          <a:lstStyle/>
-          <a:p>
-            <a:endParaRPr lang="en-US"/>
-          </a:p>
-        </p:txBody>
-      </p:sp>
-    </p:spTree>
-    <p:extLst>
-      <p:ext uri="{BB962C8B-B14F-4D97-AF65-F5344CB8AC3E}">
-        <p14:creationId xmlns:p14="http://schemas.microsoft.com/office/powerpoint/2010/main" val="1831452597"/>
-      </p:ext>
-    </p:extLst>
-  </p:cSld>
-  <p:clrMapOvr>
-    <a:masterClrMapping/>
-  </p:clrMapOvr>
-  <p:timing>
-    <p:tnLst>
-      <p:par>
-        <p:cTn xmlns:p14="http://schemas.microsoft.com/office/powerpoint/2010/main" id="1" dur="indefinite" restart="never" nodeType="tmRoot"/>
-      </p:par>
-    </p:tnLst>
-  </p:timing>
-</p:sld>
-</file>
-
-<file path=ppt/slides/slide30.xml><?xml version="1.0" encoding="utf-8"?>
+<file path=ppt/slides/slide31.xml><?xml version="1.0" encoding="utf-8"?>
 <p:sld xmlns:a="http://schemas.openxmlformats.org/drawingml/2006/main" xmlns:r="http://schemas.openxmlformats.org/officeDocument/2006/relationships" xmlns:p="http://schemas.openxmlformats.org/presentationml/2006/main">
   <p:cSld>
     <p:spTree>
@@ -6980,7 +7283,7 @@
 </p:sld>
 </file>
 
-<file path=ppt/slides/slide31.xml><?xml version="1.0" encoding="utf-8"?>
+<file path=ppt/slides/slide32.xml><?xml version="1.0" encoding="utf-8"?>
 <p:sld xmlns:a="http://schemas.openxmlformats.org/drawingml/2006/main" xmlns:r="http://schemas.openxmlformats.org/officeDocument/2006/relationships" xmlns:p="http://schemas.openxmlformats.org/presentationml/2006/main">
   <p:cSld>
     <p:spTree>
@@ -7288,7 +7591,7 @@
 </p:sld>
 </file>
 
-<file path=ppt/slides/slide32.xml><?xml version="1.0" encoding="utf-8"?>
+<file path=ppt/slides/slide33.xml><?xml version="1.0" encoding="utf-8"?>
 <p:sld xmlns:a="http://schemas.openxmlformats.org/drawingml/2006/main" xmlns:r="http://schemas.openxmlformats.org/officeDocument/2006/relationships" xmlns:p="http://schemas.openxmlformats.org/presentationml/2006/main">
   <p:cSld>
     <p:spTree>
@@ -7621,7 +7924,7 @@
 </p:sld>
 </file>
 
-<file path=ppt/slides/slide33.xml><?xml version="1.0" encoding="utf-8"?>
+<file path=ppt/slides/slide34.xml><?xml version="1.0" encoding="utf-8"?>
 <p:sld xmlns:a="http://schemas.openxmlformats.org/drawingml/2006/main" xmlns:r="http://schemas.openxmlformats.org/officeDocument/2006/relationships" xmlns:p="http://schemas.openxmlformats.org/presentationml/2006/main">
   <p:cSld>
     <p:spTree>
@@ -7941,7 +8244,7 @@
 </p:sld>
 </file>
 
-<file path=ppt/slides/slide34.xml><?xml version="1.0" encoding="utf-8"?>
+<file path=ppt/slides/slide35.xml><?xml version="1.0" encoding="utf-8"?>
 <p:sld xmlns:a="http://schemas.openxmlformats.org/drawingml/2006/main" xmlns:r="http://schemas.openxmlformats.org/officeDocument/2006/relationships" xmlns:p="http://schemas.openxmlformats.org/presentationml/2006/main">
   <p:cSld>
     <p:spTree>
@@ -8249,85 +8552,6 @@
 </p:sld>
 </file>
 
-<file path=ppt/slides/slide35.xml><?xml version="1.0" encoding="utf-8"?>
-<p:sld xmlns:a="http://schemas.openxmlformats.org/drawingml/2006/main" xmlns:r="http://schemas.openxmlformats.org/officeDocument/2006/relationships" xmlns:p="http://schemas.openxmlformats.org/presentationml/2006/main">
-  <p:cSld>
-    <p:spTree>
-      <p:nvGrpSpPr>
-        <p:cNvPr id="1" name=""/>
-        <p:cNvGrpSpPr/>
-        <p:nvPr/>
-      </p:nvGrpSpPr>
-      <p:grpSpPr>
-        <a:xfrm>
-          <a:off x="0" y="0"/>
-          <a:ext cx="0" cy="0"/>
-          <a:chOff x="0" y="0"/>
-          <a:chExt cx="0" cy="0"/>
-        </a:xfrm>
-      </p:grpSpPr>
-      <p:sp>
-        <p:nvSpPr>
-          <p:cNvPr id="4" name="Title 3"/>
-          <p:cNvSpPr>
-            <a:spLocks noGrp="1"/>
-          </p:cNvSpPr>
-          <p:nvPr>
-            <p:ph type="ctrTitle"/>
-          </p:nvPr>
-        </p:nvSpPr>
-        <p:spPr/>
-        <p:txBody>
-          <a:bodyPr/>
-          <a:lstStyle/>
-          <a:p>
-            <a:r>
-              <a:rPr lang="en-US" dirty="0" smtClean="0"/>
-              <a:t>The Serial LCD Display</a:t>
-            </a:r>
-            <a:endParaRPr lang="en-US" dirty="0"/>
-          </a:p>
-        </p:txBody>
-      </p:sp>
-      <p:sp>
-        <p:nvSpPr>
-          <p:cNvPr id="5" name="Subtitle 4"/>
-          <p:cNvSpPr>
-            <a:spLocks noGrp="1"/>
-          </p:cNvSpPr>
-          <p:nvPr>
-            <p:ph type="subTitle" idx="1"/>
-          </p:nvPr>
-        </p:nvSpPr>
-        <p:spPr/>
-        <p:txBody>
-          <a:bodyPr/>
-          <a:lstStyle/>
-          <a:p>
-            <a:endParaRPr lang="en-US"/>
-          </a:p>
-        </p:txBody>
-      </p:sp>
-    </p:spTree>
-    <p:extLst>
-      <p:ext uri="{BB962C8B-B14F-4D97-AF65-F5344CB8AC3E}">
-        <p14:creationId xmlns:p14="http://schemas.microsoft.com/office/powerpoint/2010/main" val="1449739436"/>
-      </p:ext>
-    </p:extLst>
-  </p:cSld>
-  <p:clrMapOvr>
-    <a:masterClrMapping/>
-  </p:clrMapOvr>
-  <p:timing>
-    <p:tnLst>
-      <p:par>
-        <p:cTn xmlns:p14="http://schemas.microsoft.com/office/powerpoint/2010/main" id="1" dur="indefinite" restart="never" nodeType="tmRoot"/>
-      </p:par>
-    </p:tnLst>
-  </p:timing>
-</p:sld>
-</file>
-
 <file path=ppt/slides/slide36.xml><?xml version="1.0" encoding="utf-8"?>
 <p:sld xmlns:a="http://schemas.openxmlformats.org/drawingml/2006/main" xmlns:r="http://schemas.openxmlformats.org/officeDocument/2006/relationships" xmlns:p="http://schemas.openxmlformats.org/presentationml/2006/main">
   <p:cSld>
@@ -8347,24 +8571,22 @@
       </p:grpSpPr>
       <p:sp>
         <p:nvSpPr>
-          <p:cNvPr id="2" name="Title 1"/>
-          <p:cNvSpPr>
-            <a:spLocks noGrp="1"/>
-          </p:cNvSpPr>
-          <p:nvPr>
-            <p:ph type="title"/>
-          </p:nvPr>
-        </p:nvSpPr>
-        <p:spPr/>
-        <p:txBody>
-          <a:bodyPr>
-            <a:normAutofit/>
-          </a:bodyPr>
-          <a:lstStyle/>
-          <a:p>
-            <a:r>
-              <a:rPr lang="en-US" dirty="0" smtClean="0"/>
-              <a:t>Display Text on the Remote</a:t>
+          <p:cNvPr id="4" name="Title 3"/>
+          <p:cNvSpPr>
+            <a:spLocks noGrp="1"/>
+          </p:cNvSpPr>
+          <p:nvPr>
+            <p:ph type="ctrTitle"/>
+          </p:nvPr>
+        </p:nvSpPr>
+        <p:spPr/>
+        <p:txBody>
+          <a:bodyPr/>
+          <a:lstStyle/>
+          <a:p>
+            <a:r>
+              <a:rPr lang="en-US" dirty="0" smtClean="0"/>
+              <a:t>The Serial LCD Display</a:t>
             </a:r>
             <a:endParaRPr lang="en-US" dirty="0"/>
           </a:p>
@@ -8372,79 +8594,27 @@
       </p:sp>
       <p:sp>
         <p:nvSpPr>
-          <p:cNvPr id="3" name="Content Placeholder 2"/>
-          <p:cNvSpPr>
-            <a:spLocks noGrp="1"/>
-          </p:cNvSpPr>
-          <p:nvPr>
-            <p:ph idx="1"/>
-          </p:nvPr>
-        </p:nvSpPr>
-        <p:spPr/>
-        <p:txBody>
-          <a:bodyPr/>
-          <a:lstStyle/>
-          <a:p>
-            <a:r>
-              <a:rPr lang="en-US" dirty="0" smtClean="0"/>
-              <a:t>The LCD display on the remote is connected to the second serial port on the </a:t>
-            </a:r>
-            <a:r>
-              <a:rPr lang="en-US" dirty="0" err="1" smtClean="0"/>
-              <a:t>redboard</a:t>
-            </a:r>
-            <a:endParaRPr lang="en-US" dirty="0"/>
-          </a:p>
-          <a:p>
-            <a:r>
-              <a:rPr lang="en-US" dirty="0" smtClean="0"/>
-              <a:t>The </a:t>
-            </a:r>
-            <a:r>
-              <a:rPr lang="en-US" dirty="0" err="1" smtClean="0"/>
-              <a:t>LCD_library</a:t>
-            </a:r>
-            <a:r>
-              <a:rPr lang="en-US" dirty="0"/>
-              <a:t> </a:t>
-            </a:r>
-            <a:r>
-              <a:rPr lang="en-US" dirty="0" smtClean="0"/>
-              <a:t>provides a nice interface for writing to it</a:t>
-            </a:r>
-          </a:p>
-          <a:p>
-            <a:pPr lvl="1"/>
-            <a:r>
-              <a:rPr lang="en-US" dirty="0" smtClean="0"/>
-              <a:t>Docs here: </a:t>
-            </a:r>
-            <a:r>
-              <a:rPr lang="en-US" dirty="0" smtClean="0">
-                <a:hlinkClick r:id="rId2"/>
-              </a:rPr>
-              <a:t>http</a:t>
-            </a:r>
-            <a:r>
-              <a:rPr lang="en-US" dirty="0">
-                <a:hlinkClick r:id="rId2"/>
-              </a:rPr>
-              <a:t>://playground.arduino.cc/Code/</a:t>
-            </a:r>
-            <a:r>
-              <a:rPr lang="en-US" dirty="0" smtClean="0">
-                <a:hlinkClick r:id="rId2"/>
-              </a:rPr>
-              <a:t>SerLCD</a:t>
-            </a:r>
-            <a:endParaRPr lang="en-US" dirty="0" smtClean="0"/>
+          <p:cNvPr id="5" name="Subtitle 4"/>
+          <p:cNvSpPr>
+            <a:spLocks noGrp="1"/>
+          </p:cNvSpPr>
+          <p:nvPr>
+            <p:ph type="subTitle" idx="1"/>
+          </p:nvPr>
+        </p:nvSpPr>
+        <p:spPr/>
+        <p:txBody>
+          <a:bodyPr/>
+          <a:lstStyle/>
+          <a:p>
+            <a:endParaRPr lang="en-US"/>
           </a:p>
         </p:txBody>
       </p:sp>
     </p:spTree>
     <p:extLst>
       <p:ext uri="{BB962C8B-B14F-4D97-AF65-F5344CB8AC3E}">
-        <p14:creationId xmlns:p14="http://schemas.microsoft.com/office/powerpoint/2010/main" val="2214733200"/>
+        <p14:creationId xmlns:p14="http://schemas.microsoft.com/office/powerpoint/2010/main" val="1449739436"/>
       </p:ext>
     </p:extLst>
   </p:cSld>
@@ -8480,22 +8650,24 @@
       </p:grpSpPr>
       <p:sp>
         <p:nvSpPr>
-          <p:cNvPr id="4" name="Title 3"/>
-          <p:cNvSpPr>
-            <a:spLocks noGrp="1"/>
-          </p:cNvSpPr>
-          <p:nvPr>
-            <p:ph type="ctrTitle"/>
-          </p:nvPr>
-        </p:nvSpPr>
-        <p:spPr/>
-        <p:txBody>
-          <a:bodyPr/>
-          <a:lstStyle/>
-          <a:p>
-            <a:r>
-              <a:rPr lang="en-US" dirty="0" smtClean="0"/>
-              <a:t>Other Components</a:t>
+          <p:cNvPr id="2" name="Title 1"/>
+          <p:cNvSpPr>
+            <a:spLocks noGrp="1"/>
+          </p:cNvSpPr>
+          <p:nvPr>
+            <p:ph type="title"/>
+          </p:nvPr>
+        </p:nvSpPr>
+        <p:spPr/>
+        <p:txBody>
+          <a:bodyPr>
+            <a:normAutofit/>
+          </a:bodyPr>
+          <a:lstStyle/>
+          <a:p>
+            <a:r>
+              <a:rPr lang="en-US" dirty="0" smtClean="0"/>
+              <a:t>Display Text on the Remote</a:t>
             </a:r>
             <a:endParaRPr lang="en-US" dirty="0"/>
           </a:p>
@@ -8503,27 +8675,79 @@
       </p:sp>
       <p:sp>
         <p:nvSpPr>
-          <p:cNvPr id="5" name="Subtitle 4"/>
-          <p:cNvSpPr>
-            <a:spLocks noGrp="1"/>
-          </p:cNvSpPr>
-          <p:nvPr>
-            <p:ph type="subTitle" idx="1"/>
-          </p:nvPr>
-        </p:nvSpPr>
-        <p:spPr/>
-        <p:txBody>
-          <a:bodyPr/>
-          <a:lstStyle/>
-          <a:p>
+          <p:cNvPr id="3" name="Content Placeholder 2"/>
+          <p:cNvSpPr>
+            <a:spLocks noGrp="1"/>
+          </p:cNvSpPr>
+          <p:nvPr>
+            <p:ph idx="1"/>
+          </p:nvPr>
+        </p:nvSpPr>
+        <p:spPr/>
+        <p:txBody>
+          <a:bodyPr/>
+          <a:lstStyle/>
+          <a:p>
+            <a:r>
+              <a:rPr lang="en-US" dirty="0" smtClean="0"/>
+              <a:t>The LCD display on the remote is connected to the second serial port on the </a:t>
+            </a:r>
+            <a:r>
+              <a:rPr lang="en-US" dirty="0" err="1" smtClean="0"/>
+              <a:t>redboard</a:t>
+            </a:r>
             <a:endParaRPr lang="en-US" dirty="0"/>
+          </a:p>
+          <a:p>
+            <a:r>
+              <a:rPr lang="en-US" dirty="0" smtClean="0"/>
+              <a:t>The </a:t>
+            </a:r>
+            <a:r>
+              <a:rPr lang="en-US" dirty="0" err="1" smtClean="0"/>
+              <a:t>LCD_library</a:t>
+            </a:r>
+            <a:r>
+              <a:rPr lang="en-US" dirty="0"/>
+              <a:t> </a:t>
+            </a:r>
+            <a:r>
+              <a:rPr lang="en-US" dirty="0" smtClean="0"/>
+              <a:t>provides a nice interface for writing to it</a:t>
+            </a:r>
+          </a:p>
+          <a:p>
+            <a:pPr lvl="1"/>
+            <a:r>
+              <a:rPr lang="en-US" dirty="0" smtClean="0"/>
+              <a:t>Docs here: </a:t>
+            </a:r>
+            <a:r>
+              <a:rPr lang="en-US" dirty="0" smtClean="0">
+                <a:hlinkClick r:id="rId2"/>
+              </a:rPr>
+              <a:t>http</a:t>
+            </a:r>
+            <a:r>
+              <a:rPr lang="en-US" dirty="0">
+                <a:hlinkClick r:id="rId2"/>
+              </a:rPr>
+              <a:t>://playground.arduino.cc/Code/</a:t>
+            </a:r>
+            <a:r>
+              <a:rPr lang="en-US" dirty="0" smtClean="0">
+                <a:hlinkClick r:id="rId2"/>
+              </a:rPr>
+              <a:t>SerLCD</a:t>
+            </a:r>
+            <a:endParaRPr lang="en-US" dirty="0" smtClean="0"/>
           </a:p>
         </p:txBody>
       </p:sp>
     </p:spTree>
     <p:extLst>
       <p:ext uri="{BB962C8B-B14F-4D97-AF65-F5344CB8AC3E}">
-        <p14:creationId xmlns:p14="http://schemas.microsoft.com/office/powerpoint/2010/main" val="204190312"/>
+        <p14:creationId xmlns:p14="http://schemas.microsoft.com/office/powerpoint/2010/main" val="2214733200"/>
       </p:ext>
     </p:extLst>
   </p:cSld>
@@ -8559,24 +8783,22 @@
       </p:grpSpPr>
       <p:sp>
         <p:nvSpPr>
-          <p:cNvPr id="2" name="Title 1"/>
-          <p:cNvSpPr>
-            <a:spLocks noGrp="1"/>
-          </p:cNvSpPr>
-          <p:nvPr>
-            <p:ph type="title"/>
-          </p:nvPr>
-        </p:nvSpPr>
-        <p:spPr/>
-        <p:txBody>
-          <a:bodyPr>
-            <a:normAutofit/>
-          </a:bodyPr>
-          <a:lstStyle/>
-          <a:p>
-            <a:r>
-              <a:rPr lang="en-US" dirty="0" smtClean="0"/>
-              <a:t>Status LEDs</a:t>
+          <p:cNvPr id="4" name="Title 3"/>
+          <p:cNvSpPr>
+            <a:spLocks noGrp="1"/>
+          </p:cNvSpPr>
+          <p:nvPr>
+            <p:ph type="ctrTitle"/>
+          </p:nvPr>
+        </p:nvSpPr>
+        <p:spPr/>
+        <p:txBody>
+          <a:bodyPr/>
+          <a:lstStyle/>
+          <a:p>
+            <a:r>
+              <a:rPr lang="en-US" dirty="0" smtClean="0"/>
+              <a:t>Other Components</a:t>
             </a:r>
             <a:endParaRPr lang="en-US" dirty="0"/>
           </a:p>
@@ -8584,50 +8806,27 @@
       </p:sp>
       <p:sp>
         <p:nvSpPr>
-          <p:cNvPr id="3" name="Content Placeholder 2"/>
-          <p:cNvSpPr>
-            <a:spLocks noGrp="1"/>
-          </p:cNvSpPr>
-          <p:nvPr>
-            <p:ph idx="1"/>
-          </p:nvPr>
-        </p:nvSpPr>
-        <p:spPr/>
-        <p:txBody>
-          <a:bodyPr/>
-          <a:lstStyle/>
-          <a:p>
-            <a:r>
-              <a:rPr lang="en-US" dirty="0" smtClean="0"/>
-              <a:t>The remote has 3 status LEDs (D3, D4, D5) in the upper left of the control board.</a:t>
-            </a:r>
-          </a:p>
-          <a:p>
-            <a:r>
-              <a:rPr lang="en-US" dirty="0" smtClean="0"/>
-              <a:t>They are useful for letting you know when the quad is armed, etc.</a:t>
-            </a:r>
-          </a:p>
-          <a:p>
-            <a:r>
-              <a:rPr lang="en-US" dirty="0" smtClean="0"/>
-              <a:t>Use </a:t>
-            </a:r>
-            <a:r>
-              <a:rPr lang="en-US" dirty="0" err="1" smtClean="0"/>
-              <a:t>digital_write</a:t>
-            </a:r>
-            <a:r>
-              <a:rPr lang="en-US" dirty="0" smtClean="0"/>
-              <a:t>() to control them.</a:t>
-            </a:r>
+          <p:cNvPr id="5" name="Subtitle 4"/>
+          <p:cNvSpPr>
+            <a:spLocks noGrp="1"/>
+          </p:cNvSpPr>
+          <p:nvPr>
+            <p:ph type="subTitle" idx="1"/>
+          </p:nvPr>
+        </p:nvSpPr>
+        <p:spPr/>
+        <p:txBody>
+          <a:bodyPr/>
+          <a:lstStyle/>
+          <a:p>
+            <a:endParaRPr lang="en-US" dirty="0"/>
           </a:p>
         </p:txBody>
       </p:sp>
     </p:spTree>
     <p:extLst>
       <p:ext uri="{BB962C8B-B14F-4D97-AF65-F5344CB8AC3E}">
-        <p14:creationId xmlns:p14="http://schemas.microsoft.com/office/powerpoint/2010/main" val="3007839423"/>
+        <p14:creationId xmlns:p14="http://schemas.microsoft.com/office/powerpoint/2010/main" val="204190312"/>
       </p:ext>
     </p:extLst>
   </p:cSld>
@@ -8680,6 +8879,189 @@
           <a:p>
             <a:r>
               <a:rPr lang="en-US" dirty="0" smtClean="0"/>
+              <a:t>Status LEDs</a:t>
+            </a:r>
+            <a:endParaRPr lang="en-US" dirty="0"/>
+          </a:p>
+        </p:txBody>
+      </p:sp>
+      <p:sp>
+        <p:nvSpPr>
+          <p:cNvPr id="3" name="Content Placeholder 2"/>
+          <p:cNvSpPr>
+            <a:spLocks noGrp="1"/>
+          </p:cNvSpPr>
+          <p:nvPr>
+            <p:ph idx="1"/>
+          </p:nvPr>
+        </p:nvSpPr>
+        <p:spPr/>
+        <p:txBody>
+          <a:bodyPr/>
+          <a:lstStyle/>
+          <a:p>
+            <a:r>
+              <a:rPr lang="en-US" dirty="0" smtClean="0"/>
+              <a:t>The remote has 3 status LEDs (D3, D4, D5) in the upper left of the control board.</a:t>
+            </a:r>
+          </a:p>
+          <a:p>
+            <a:r>
+              <a:rPr lang="en-US" dirty="0" smtClean="0"/>
+              <a:t>They are useful for letting you know when the quad is armed, etc.</a:t>
+            </a:r>
+          </a:p>
+          <a:p>
+            <a:r>
+              <a:rPr lang="en-US" dirty="0" smtClean="0"/>
+              <a:t>Use </a:t>
+            </a:r>
+            <a:r>
+              <a:rPr lang="en-US" dirty="0" err="1" smtClean="0"/>
+              <a:t>digital_write</a:t>
+            </a:r>
+            <a:r>
+              <a:rPr lang="en-US" dirty="0" smtClean="0"/>
+              <a:t>() to control them.</a:t>
+            </a:r>
+          </a:p>
+        </p:txBody>
+      </p:sp>
+    </p:spTree>
+    <p:extLst>
+      <p:ext uri="{BB962C8B-B14F-4D97-AF65-F5344CB8AC3E}">
+        <p14:creationId xmlns:p14="http://schemas.microsoft.com/office/powerpoint/2010/main" val="3007839423"/>
+      </p:ext>
+    </p:extLst>
+  </p:cSld>
+  <p:clrMapOvr>
+    <a:masterClrMapping/>
+  </p:clrMapOvr>
+  <p:timing>
+    <p:tnLst>
+      <p:par>
+        <p:cTn xmlns:p14="http://schemas.microsoft.com/office/powerpoint/2010/main" id="1" dur="indefinite" restart="never" nodeType="tmRoot"/>
+      </p:par>
+    </p:tnLst>
+  </p:timing>
+</p:sld>
+</file>
+
+<file path=ppt/slides/slide4.xml><?xml version="1.0" encoding="utf-8"?>
+<p:sld xmlns:a="http://schemas.openxmlformats.org/drawingml/2006/main" xmlns:r="http://schemas.openxmlformats.org/officeDocument/2006/relationships" xmlns:p="http://schemas.openxmlformats.org/presentationml/2006/main">
+  <p:cSld>
+    <p:spTree>
+      <p:nvGrpSpPr>
+        <p:cNvPr id="1" name=""/>
+        <p:cNvGrpSpPr/>
+        <p:nvPr/>
+      </p:nvGrpSpPr>
+      <p:grpSpPr>
+        <a:xfrm>
+          <a:off x="0" y="0"/>
+          <a:ext cx="0" cy="0"/>
+          <a:chOff x="0" y="0"/>
+          <a:chExt cx="0" cy="0"/>
+        </a:xfrm>
+      </p:grpSpPr>
+      <p:sp>
+        <p:nvSpPr>
+          <p:cNvPr id="2" name="Title 1"/>
+          <p:cNvSpPr>
+            <a:spLocks noGrp="1"/>
+          </p:cNvSpPr>
+          <p:nvPr>
+            <p:ph type="ctrTitle"/>
+          </p:nvPr>
+        </p:nvSpPr>
+        <p:spPr/>
+        <p:txBody>
+          <a:bodyPr/>
+          <a:lstStyle/>
+          <a:p>
+            <a:r>
+              <a:rPr lang="en-US" dirty="0" smtClean="0"/>
+              <a:t>Gimbals</a:t>
+            </a:r>
+            <a:endParaRPr lang="en-US" dirty="0"/>
+          </a:p>
+        </p:txBody>
+      </p:sp>
+      <p:sp>
+        <p:nvSpPr>
+          <p:cNvPr id="3" name="Subtitle 2"/>
+          <p:cNvSpPr>
+            <a:spLocks noGrp="1"/>
+          </p:cNvSpPr>
+          <p:nvPr>
+            <p:ph type="subTitle" idx="1"/>
+          </p:nvPr>
+        </p:nvSpPr>
+        <p:spPr/>
+        <p:txBody>
+          <a:bodyPr/>
+          <a:lstStyle/>
+          <a:p>
+            <a:endParaRPr lang="en-US"/>
+          </a:p>
+        </p:txBody>
+      </p:sp>
+    </p:spTree>
+    <p:extLst>
+      <p:ext uri="{BB962C8B-B14F-4D97-AF65-F5344CB8AC3E}">
+        <p14:creationId xmlns:p14="http://schemas.microsoft.com/office/powerpoint/2010/main" val="1831452597"/>
+      </p:ext>
+    </p:extLst>
+  </p:cSld>
+  <p:clrMapOvr>
+    <a:masterClrMapping/>
+  </p:clrMapOvr>
+  <p:timing>
+    <p:tnLst>
+      <p:par>
+        <p:cTn xmlns:p14="http://schemas.microsoft.com/office/powerpoint/2010/main" id="1" dur="indefinite" restart="never" nodeType="tmRoot"/>
+      </p:par>
+    </p:tnLst>
+  </p:timing>
+</p:sld>
+</file>
+
+<file path=ppt/slides/slide40.xml><?xml version="1.0" encoding="utf-8"?>
+<p:sld xmlns:a="http://schemas.openxmlformats.org/drawingml/2006/main" xmlns:r="http://schemas.openxmlformats.org/officeDocument/2006/relationships" xmlns:p="http://schemas.openxmlformats.org/presentationml/2006/main">
+  <p:cSld>
+    <p:spTree>
+      <p:nvGrpSpPr>
+        <p:cNvPr id="1" name=""/>
+        <p:cNvGrpSpPr/>
+        <p:nvPr/>
+      </p:nvGrpSpPr>
+      <p:grpSpPr>
+        <a:xfrm>
+          <a:off x="0" y="0"/>
+          <a:ext cx="0" cy="0"/>
+          <a:chOff x="0" y="0"/>
+          <a:chExt cx="0" cy="0"/>
+        </a:xfrm>
+      </p:grpSpPr>
+      <p:sp>
+        <p:nvSpPr>
+          <p:cNvPr id="2" name="Title 1"/>
+          <p:cNvSpPr>
+            <a:spLocks noGrp="1"/>
+          </p:cNvSpPr>
+          <p:nvPr>
+            <p:ph type="title"/>
+          </p:nvPr>
+        </p:nvSpPr>
+        <p:spPr/>
+        <p:txBody>
+          <a:bodyPr>
+            <a:normAutofit/>
+          </a:bodyPr>
+          <a:lstStyle/>
+          <a:p>
+            <a:r>
+              <a:rPr lang="en-US" dirty="0" smtClean="0"/>
               <a:t>Buttons</a:t>
             </a:r>
             <a:endParaRPr lang="en-US" dirty="0"/>
@@ -8745,7 +9127,282 @@
 </p:sld>
 </file>
 
-<file path=ppt/slides/slide4.xml><?xml version="1.0" encoding="utf-8"?>
+<file path=ppt/slides/slide41.xml><?xml version="1.0" encoding="utf-8"?>
+<p:sld xmlns:a="http://schemas.openxmlformats.org/drawingml/2006/main" xmlns:r="http://schemas.openxmlformats.org/officeDocument/2006/relationships" xmlns:p="http://schemas.openxmlformats.org/presentationml/2006/main">
+  <p:cSld>
+    <p:spTree>
+      <p:nvGrpSpPr>
+        <p:cNvPr id="1" name=""/>
+        <p:cNvGrpSpPr/>
+        <p:nvPr/>
+      </p:nvGrpSpPr>
+      <p:grpSpPr>
+        <a:xfrm>
+          <a:off x="0" y="0"/>
+          <a:ext cx="0" cy="0"/>
+          <a:chOff x="0" y="0"/>
+          <a:chExt cx="0" cy="0"/>
+        </a:xfrm>
+      </p:grpSpPr>
+      <p:sp>
+        <p:nvSpPr>
+          <p:cNvPr id="2" name="Title 1"/>
+          <p:cNvSpPr>
+            <a:spLocks noGrp="1"/>
+          </p:cNvSpPr>
+          <p:nvPr>
+            <p:ph type="title"/>
+          </p:nvPr>
+        </p:nvSpPr>
+        <p:spPr/>
+        <p:txBody>
+          <a:bodyPr>
+            <a:normAutofit/>
+          </a:bodyPr>
+          <a:lstStyle/>
+          <a:p>
+            <a:r>
+              <a:rPr lang="en-US" dirty="0" smtClean="0"/>
+              <a:t>Pots</a:t>
+            </a:r>
+            <a:endParaRPr lang="en-US" dirty="0"/>
+          </a:p>
+        </p:txBody>
+      </p:sp>
+      <p:sp>
+        <p:nvSpPr>
+          <p:cNvPr id="3" name="Content Placeholder 2"/>
+          <p:cNvSpPr>
+            <a:spLocks noGrp="1"/>
+          </p:cNvSpPr>
+          <p:nvPr>
+            <p:ph idx="1"/>
+          </p:nvPr>
+        </p:nvSpPr>
+        <p:spPr/>
+        <p:txBody>
+          <a:bodyPr/>
+          <a:lstStyle/>
+          <a:p>
+            <a:r>
+              <a:rPr lang="en-US" dirty="0" smtClean="0"/>
+              <a:t>The remote has 2 potentiometers (TM1, TM2)</a:t>
+            </a:r>
+          </a:p>
+          <a:p>
+            <a:r>
+              <a:rPr lang="en-US" dirty="0" smtClean="0"/>
+              <a:t>Use </a:t>
+            </a:r>
+            <a:r>
+              <a:rPr lang="en-US" dirty="0" err="1" smtClean="0"/>
+              <a:t>analog_read</a:t>
+            </a:r>
+            <a:r>
+              <a:rPr lang="en-US" dirty="0" smtClean="0"/>
+              <a:t>() to get their value.</a:t>
+            </a:r>
+          </a:p>
+        </p:txBody>
+      </p:sp>
+    </p:spTree>
+    <p:extLst>
+      <p:ext uri="{BB962C8B-B14F-4D97-AF65-F5344CB8AC3E}">
+        <p14:creationId xmlns:p14="http://schemas.microsoft.com/office/powerpoint/2010/main" val="2178076542"/>
+      </p:ext>
+    </p:extLst>
+  </p:cSld>
+  <p:clrMapOvr>
+    <a:masterClrMapping/>
+  </p:clrMapOvr>
+  <p:timing>
+    <p:tnLst>
+      <p:par>
+        <p:cTn xmlns:p14="http://schemas.microsoft.com/office/powerpoint/2010/main" id="1" dur="indefinite" restart="never" nodeType="tmRoot"/>
+      </p:par>
+    </p:tnLst>
+  </p:timing>
+</p:sld>
+</file>
+
+<file path=ppt/slides/slide42.xml><?xml version="1.0" encoding="utf-8"?>
+<p:sld xmlns:a="http://schemas.openxmlformats.org/drawingml/2006/main" xmlns:r="http://schemas.openxmlformats.org/officeDocument/2006/relationships" xmlns:p="http://schemas.openxmlformats.org/presentationml/2006/main">
+  <p:cSld>
+    <p:spTree>
+      <p:nvGrpSpPr>
+        <p:cNvPr id="1" name=""/>
+        <p:cNvGrpSpPr/>
+        <p:nvPr/>
+      </p:nvGrpSpPr>
+      <p:grpSpPr>
+        <a:xfrm>
+          <a:off x="0" y="0"/>
+          <a:ext cx="0" cy="0"/>
+          <a:chOff x="0" y="0"/>
+          <a:chExt cx="0" cy="0"/>
+        </a:xfrm>
+      </p:grpSpPr>
+      <p:sp>
+        <p:nvSpPr>
+          <p:cNvPr id="4" name="Title 3"/>
+          <p:cNvSpPr>
+            <a:spLocks noGrp="1"/>
+          </p:cNvSpPr>
+          <p:nvPr>
+            <p:ph type="title"/>
+          </p:nvPr>
+        </p:nvSpPr>
+        <p:spPr/>
+        <p:txBody>
+          <a:bodyPr/>
+          <a:lstStyle/>
+          <a:p>
+            <a:r>
+              <a:rPr lang="en-US" dirty="0" smtClean="0"/>
+              <a:t>Lab Tasks</a:t>
+            </a:r>
+            <a:endParaRPr lang="en-US" dirty="0"/>
+          </a:p>
+        </p:txBody>
+      </p:sp>
+      <p:sp>
+        <p:nvSpPr>
+          <p:cNvPr id="6" name="Content Placeholder 5"/>
+          <p:cNvSpPr>
+            <a:spLocks noGrp="1"/>
+          </p:cNvSpPr>
+          <p:nvPr>
+            <p:ph idx="1"/>
+          </p:nvPr>
+        </p:nvSpPr>
+        <p:spPr/>
+        <p:txBody>
+          <a:bodyPr>
+            <a:normAutofit fontScale="70000" lnSpcReduction="20000"/>
+          </a:bodyPr>
+          <a:lstStyle/>
+          <a:p>
+            <a:r>
+              <a:rPr lang="en-US" dirty="0"/>
+              <a:t>U</a:t>
+            </a:r>
+            <a:r>
+              <a:rPr lang="en-US" dirty="0" smtClean="0"/>
+              <a:t>se everything</a:t>
+            </a:r>
+          </a:p>
+          <a:p>
+            <a:pPr lvl="1"/>
+            <a:r>
+              <a:rPr lang="en-US" dirty="0" smtClean="0"/>
+              <a:t>Install IMU library.  Read values from IMU.</a:t>
+            </a:r>
+          </a:p>
+          <a:p>
+            <a:pPr lvl="1"/>
+            <a:r>
+              <a:rPr lang="en-US" dirty="0" smtClean="0"/>
+              <a:t>Read the values from the gimbals.</a:t>
+            </a:r>
+          </a:p>
+          <a:p>
+            <a:pPr lvl="1"/>
+            <a:r>
+              <a:rPr lang="en-US" dirty="0" smtClean="0"/>
+              <a:t>Display things on the serial display.</a:t>
+            </a:r>
+          </a:p>
+          <a:p>
+            <a:pPr lvl="1"/>
+            <a:r>
+              <a:rPr lang="en-US" dirty="0" smtClean="0"/>
+              <a:t>Drive a motor.</a:t>
+            </a:r>
+          </a:p>
+          <a:p>
+            <a:pPr lvl="1"/>
+            <a:r>
+              <a:rPr lang="en-US" dirty="0" smtClean="0"/>
+              <a:t>Turn the indicators on and off.</a:t>
+            </a:r>
+          </a:p>
+          <a:p>
+            <a:pPr lvl="1"/>
+            <a:r>
+              <a:rPr lang="en-US" dirty="0" smtClean="0"/>
+              <a:t>Read values from the pots.</a:t>
+            </a:r>
+          </a:p>
+          <a:p>
+            <a:pPr lvl="1"/>
+            <a:r>
+              <a:rPr lang="en-US" dirty="0" smtClean="0"/>
+              <a:t>Use the buttons to do something</a:t>
+            </a:r>
+            <a:endParaRPr lang="en-US" dirty="0"/>
+          </a:p>
+          <a:p>
+            <a:r>
+              <a:rPr lang="en-US" dirty="0" smtClean="0"/>
+              <a:t>Build a remote-controlled motor</a:t>
+            </a:r>
+          </a:p>
+          <a:p>
+            <a:pPr lvl="1"/>
+            <a:r>
+              <a:rPr lang="en-US" dirty="0" smtClean="0"/>
+              <a:t>Stand alone red board drives motor.</a:t>
+            </a:r>
+          </a:p>
+          <a:p>
+            <a:pPr lvl="1"/>
+            <a:r>
+              <a:rPr lang="en-US" dirty="0" smtClean="0"/>
+              <a:t>Remote control reads gimbals and transmits value to run motor at.</a:t>
+            </a:r>
+          </a:p>
+          <a:p>
+            <a:pPr lvl="1"/>
+            <a:r>
+              <a:rPr lang="en-US" dirty="0" smtClean="0"/>
+              <a:t>This is the basic frame work for your </a:t>
+            </a:r>
+            <a:r>
+              <a:rPr lang="en-US" dirty="0" err="1" smtClean="0"/>
+              <a:t>quadcopter</a:t>
+            </a:r>
+            <a:r>
+              <a:rPr lang="en-US" dirty="0"/>
+              <a:t> </a:t>
+            </a:r>
+            <a:r>
+              <a:rPr lang="en-US" dirty="0" smtClean="0"/>
+              <a:t>and remote firmware.</a:t>
+            </a:r>
+          </a:p>
+        </p:txBody>
+      </p:sp>
+    </p:spTree>
+    <p:extLst>
+      <p:ext uri="{BB962C8B-B14F-4D97-AF65-F5344CB8AC3E}">
+        <p14:creationId xmlns:p14="http://schemas.microsoft.com/office/powerpoint/2010/main" val="1399731879"/>
+      </p:ext>
+    </p:extLst>
+  </p:cSld>
+  <p:clrMapOvr>
+    <a:masterClrMapping/>
+  </p:clrMapOvr>
+  <p:timing>
+    <p:tnLst>
+      <p:par>
+        <p:cTn xmlns:p14="http://schemas.microsoft.com/office/powerpoint/2010/main" id="1" dur="indefinite" restart="never" nodeType="tmRoot"/>
+      </p:par>
+    </p:tnLst>
+  </p:timing>
+</p:sld>
+</file>
+
+<file path=ppt/slides/slide5.xml><?xml version="1.0" encoding="utf-8"?>
 <p:sld xmlns:a="http://schemas.openxmlformats.org/drawingml/2006/main" xmlns:r="http://schemas.openxmlformats.org/officeDocument/2006/relationships" xmlns:p="http://schemas.openxmlformats.org/presentationml/2006/main">
   <p:cSld>
     <p:spTree>
@@ -8894,7 +9551,7 @@
 </p:sld>
 </file>
 
-<file path=ppt/slides/slide40.xml><?xml version="1.0" encoding="utf-8"?>
+<file path=ppt/slides/slide6.xml><?xml version="1.0" encoding="utf-8"?>
 <p:sld xmlns:a="http://schemas.openxmlformats.org/drawingml/2006/main" xmlns:r="http://schemas.openxmlformats.org/officeDocument/2006/relationships" xmlns:p="http://schemas.openxmlformats.org/presentationml/2006/main">
   <p:cSld>
     <p:spTree>
@@ -8923,281 +9580,6 @@
         </p:nvSpPr>
         <p:spPr/>
         <p:txBody>
-          <a:bodyPr>
-            <a:normAutofit/>
-          </a:bodyPr>
-          <a:lstStyle/>
-          <a:p>
-            <a:r>
-              <a:rPr lang="en-US" dirty="0" smtClean="0"/>
-              <a:t>Pots</a:t>
-            </a:r>
-            <a:endParaRPr lang="en-US" dirty="0"/>
-          </a:p>
-        </p:txBody>
-      </p:sp>
-      <p:sp>
-        <p:nvSpPr>
-          <p:cNvPr id="3" name="Content Placeholder 2"/>
-          <p:cNvSpPr>
-            <a:spLocks noGrp="1"/>
-          </p:cNvSpPr>
-          <p:nvPr>
-            <p:ph idx="1"/>
-          </p:nvPr>
-        </p:nvSpPr>
-        <p:spPr/>
-        <p:txBody>
-          <a:bodyPr/>
-          <a:lstStyle/>
-          <a:p>
-            <a:r>
-              <a:rPr lang="en-US" dirty="0" smtClean="0"/>
-              <a:t>The remote has 2 potentiometers (TM1, TM2)</a:t>
-            </a:r>
-          </a:p>
-          <a:p>
-            <a:r>
-              <a:rPr lang="en-US" dirty="0" smtClean="0"/>
-              <a:t>Use </a:t>
-            </a:r>
-            <a:r>
-              <a:rPr lang="en-US" dirty="0" err="1" smtClean="0"/>
-              <a:t>analog_read</a:t>
-            </a:r>
-            <a:r>
-              <a:rPr lang="en-US" dirty="0" smtClean="0"/>
-              <a:t>() to get their value.</a:t>
-            </a:r>
-          </a:p>
-        </p:txBody>
-      </p:sp>
-    </p:spTree>
-    <p:extLst>
-      <p:ext uri="{BB962C8B-B14F-4D97-AF65-F5344CB8AC3E}">
-        <p14:creationId xmlns:p14="http://schemas.microsoft.com/office/powerpoint/2010/main" val="2178076542"/>
-      </p:ext>
-    </p:extLst>
-  </p:cSld>
-  <p:clrMapOvr>
-    <a:masterClrMapping/>
-  </p:clrMapOvr>
-  <p:timing>
-    <p:tnLst>
-      <p:par>
-        <p:cTn xmlns:p14="http://schemas.microsoft.com/office/powerpoint/2010/main" id="1" dur="indefinite" restart="never" nodeType="tmRoot"/>
-      </p:par>
-    </p:tnLst>
-  </p:timing>
-</p:sld>
-</file>
-
-<file path=ppt/slides/slide41.xml><?xml version="1.0" encoding="utf-8"?>
-<p:sld xmlns:a="http://schemas.openxmlformats.org/drawingml/2006/main" xmlns:r="http://schemas.openxmlformats.org/officeDocument/2006/relationships" xmlns:p="http://schemas.openxmlformats.org/presentationml/2006/main">
-  <p:cSld>
-    <p:spTree>
-      <p:nvGrpSpPr>
-        <p:cNvPr id="1" name=""/>
-        <p:cNvGrpSpPr/>
-        <p:nvPr/>
-      </p:nvGrpSpPr>
-      <p:grpSpPr>
-        <a:xfrm>
-          <a:off x="0" y="0"/>
-          <a:ext cx="0" cy="0"/>
-          <a:chOff x="0" y="0"/>
-          <a:chExt cx="0" cy="0"/>
-        </a:xfrm>
-      </p:grpSpPr>
-      <p:sp>
-        <p:nvSpPr>
-          <p:cNvPr id="4" name="Title 3"/>
-          <p:cNvSpPr>
-            <a:spLocks noGrp="1"/>
-          </p:cNvSpPr>
-          <p:nvPr>
-            <p:ph type="title"/>
-          </p:nvPr>
-        </p:nvSpPr>
-        <p:spPr/>
-        <p:txBody>
-          <a:bodyPr/>
-          <a:lstStyle/>
-          <a:p>
-            <a:r>
-              <a:rPr lang="en-US" dirty="0" smtClean="0"/>
-              <a:t>Lab Tasks</a:t>
-            </a:r>
-            <a:endParaRPr lang="en-US" dirty="0"/>
-          </a:p>
-        </p:txBody>
-      </p:sp>
-      <p:sp>
-        <p:nvSpPr>
-          <p:cNvPr id="6" name="Content Placeholder 5"/>
-          <p:cNvSpPr>
-            <a:spLocks noGrp="1"/>
-          </p:cNvSpPr>
-          <p:nvPr>
-            <p:ph idx="1"/>
-          </p:nvPr>
-        </p:nvSpPr>
-        <p:spPr/>
-        <p:txBody>
-          <a:bodyPr>
-            <a:normAutofit fontScale="70000" lnSpcReduction="20000"/>
-          </a:bodyPr>
-          <a:lstStyle/>
-          <a:p>
-            <a:r>
-              <a:rPr lang="en-US" dirty="0"/>
-              <a:t>U</a:t>
-            </a:r>
-            <a:r>
-              <a:rPr lang="en-US" dirty="0" smtClean="0"/>
-              <a:t>se everything</a:t>
-            </a:r>
-          </a:p>
-          <a:p>
-            <a:pPr lvl="1"/>
-            <a:r>
-              <a:rPr lang="en-US" dirty="0" smtClean="0"/>
-              <a:t>Install IMU library.  Read values from IMU.</a:t>
-            </a:r>
-          </a:p>
-          <a:p>
-            <a:pPr lvl="1"/>
-            <a:r>
-              <a:rPr lang="en-US" dirty="0" smtClean="0"/>
-              <a:t>Read the values from the gimbals.</a:t>
-            </a:r>
-          </a:p>
-          <a:p>
-            <a:pPr lvl="1"/>
-            <a:r>
-              <a:rPr lang="en-US" dirty="0" smtClean="0"/>
-              <a:t>Display things on the serial display.</a:t>
-            </a:r>
-          </a:p>
-          <a:p>
-            <a:pPr lvl="1"/>
-            <a:r>
-              <a:rPr lang="en-US" dirty="0" smtClean="0"/>
-              <a:t>Drive a motor.</a:t>
-            </a:r>
-          </a:p>
-          <a:p>
-            <a:pPr lvl="1"/>
-            <a:r>
-              <a:rPr lang="en-US" dirty="0" smtClean="0"/>
-              <a:t>Turn the indicators on and off.</a:t>
-            </a:r>
-          </a:p>
-          <a:p>
-            <a:pPr lvl="1"/>
-            <a:r>
-              <a:rPr lang="en-US" dirty="0" smtClean="0"/>
-              <a:t>Read values from the pots.</a:t>
-            </a:r>
-          </a:p>
-          <a:p>
-            <a:pPr lvl="1"/>
-            <a:r>
-              <a:rPr lang="en-US" dirty="0" smtClean="0"/>
-              <a:t>Use the buttons to do something</a:t>
-            </a:r>
-            <a:endParaRPr lang="en-US" dirty="0"/>
-          </a:p>
-          <a:p>
-            <a:r>
-              <a:rPr lang="en-US" dirty="0" smtClean="0"/>
-              <a:t>Build a remote-controlled motor</a:t>
-            </a:r>
-          </a:p>
-          <a:p>
-            <a:pPr lvl="1"/>
-            <a:r>
-              <a:rPr lang="en-US" dirty="0" smtClean="0"/>
-              <a:t>Stand alone red board drives motor.</a:t>
-            </a:r>
-          </a:p>
-          <a:p>
-            <a:pPr lvl="1"/>
-            <a:r>
-              <a:rPr lang="en-US" dirty="0" smtClean="0"/>
-              <a:t>Remote control reads gimbals and transmits value to run motor at.</a:t>
-            </a:r>
-          </a:p>
-          <a:p>
-            <a:pPr lvl="1"/>
-            <a:r>
-              <a:rPr lang="en-US" dirty="0" smtClean="0"/>
-              <a:t>This is the basic frame work for your </a:t>
-            </a:r>
-            <a:r>
-              <a:rPr lang="en-US" dirty="0" err="1" smtClean="0"/>
-              <a:t>quadcopter</a:t>
-            </a:r>
-            <a:r>
-              <a:rPr lang="en-US" dirty="0"/>
-              <a:t> </a:t>
-            </a:r>
-            <a:r>
-              <a:rPr lang="en-US" dirty="0" smtClean="0"/>
-              <a:t>and remote firmware.</a:t>
-            </a:r>
-          </a:p>
-        </p:txBody>
-      </p:sp>
-    </p:spTree>
-    <p:extLst>
-      <p:ext uri="{BB962C8B-B14F-4D97-AF65-F5344CB8AC3E}">
-        <p14:creationId xmlns:p14="http://schemas.microsoft.com/office/powerpoint/2010/main" val="1399731879"/>
-      </p:ext>
-    </p:extLst>
-  </p:cSld>
-  <p:clrMapOvr>
-    <a:masterClrMapping/>
-  </p:clrMapOvr>
-  <p:timing>
-    <p:tnLst>
-      <p:par>
-        <p:cTn xmlns:p14="http://schemas.microsoft.com/office/powerpoint/2010/main" id="1" dur="indefinite" restart="never" nodeType="tmRoot"/>
-      </p:par>
-    </p:tnLst>
-  </p:timing>
-</p:sld>
-</file>
-
-<file path=ppt/slides/slide5.xml><?xml version="1.0" encoding="utf-8"?>
-<p:sld xmlns:a="http://schemas.openxmlformats.org/drawingml/2006/main" xmlns:r="http://schemas.openxmlformats.org/officeDocument/2006/relationships" xmlns:p="http://schemas.openxmlformats.org/presentationml/2006/main">
-  <p:cSld>
-    <p:spTree>
-      <p:nvGrpSpPr>
-        <p:cNvPr id="1" name=""/>
-        <p:cNvGrpSpPr/>
-        <p:nvPr/>
-      </p:nvGrpSpPr>
-      <p:grpSpPr>
-        <a:xfrm>
-          <a:off x="0" y="0"/>
-          <a:ext cx="0" cy="0"/>
-          <a:chOff x="0" y="0"/>
-          <a:chExt cx="0" cy="0"/>
-        </a:xfrm>
-      </p:grpSpPr>
-      <p:sp>
-        <p:nvSpPr>
-          <p:cNvPr id="2" name="Title 1"/>
-          <p:cNvSpPr>
-            <a:spLocks noGrp="1"/>
-          </p:cNvSpPr>
-          <p:nvPr>
-            <p:ph type="title"/>
-          </p:nvPr>
-        </p:nvSpPr>
-        <p:spPr/>
-        <p:txBody>
           <a:bodyPr/>
           <a:lstStyle/>
           <a:p>
@@ -9248,11 +9630,7 @@
             </a:r>
             <a:r>
               <a:rPr lang="en-US" i="1" dirty="0" smtClean="0"/>
-              <a:t>– </a:t>
-            </a:r>
-            <a:r>
-              <a:rPr lang="en-US" i="1" dirty="0" smtClean="0"/>
-              <a:t>The dictionary on my Mac</a:t>
+              <a:t>– The dictionary on my Mac</a:t>
             </a:r>
           </a:p>
           <a:p>
@@ -9303,7 +9681,7 @@
 </p:sld>
 </file>
 
-<file path=ppt/slides/slide6.xml><?xml version="1.0" encoding="utf-8"?>
+<file path=ppt/slides/slide7.xml><?xml version="1.0" encoding="utf-8"?>
 <p:sld xmlns:a="http://schemas.openxmlformats.org/drawingml/2006/main" xmlns:r="http://schemas.openxmlformats.org/officeDocument/2006/relationships" xmlns:p="http://schemas.openxmlformats.org/presentationml/2006/main">
   <p:cSld>
     <p:spTree>
@@ -9380,35 +9758,14 @@
             <a:pPr lvl="1"/>
             <a:r>
               <a:rPr lang="en-US" dirty="0" smtClean="0"/>
-              <a:t>As the </a:t>
-            </a:r>
-            <a:r>
-              <a:rPr lang="en-US" dirty="0" smtClean="0"/>
-              <a:t>slider’s movement changes the resistance from A </a:t>
-            </a:r>
-            <a:r>
-              <a:rPr lang="en-US" dirty="0" smtClean="0"/>
-              <a:t>and W and W and </a:t>
-            </a:r>
-            <a:r>
-              <a:rPr lang="en-US" dirty="0" smtClean="0"/>
-              <a:t>B.</a:t>
-            </a:r>
-            <a:endParaRPr lang="en-US" dirty="0" smtClean="0"/>
+              <a:t>As the slider’s movement changes the resistance from A and W and W and B.</a:t>
+            </a:r>
           </a:p>
           <a:p>
             <a:pPr lvl="1"/>
             <a:r>
               <a:rPr lang="en-US" dirty="0" smtClean="0"/>
-              <a:t>The </a:t>
-            </a:r>
-            <a:r>
-              <a:rPr lang="en-US" dirty="0" smtClean="0"/>
-              <a:t>voltage at W is proportional to the position of the gimbal</a:t>
-            </a:r>
-            <a:r>
-              <a:rPr lang="en-US" dirty="0" smtClean="0"/>
-              <a:t>.</a:t>
+              <a:t>The voltage at W is proportional to the position of the gimbal.</a:t>
             </a:r>
           </a:p>
           <a:p>
@@ -9416,7 +9773,6 @@
               <a:rPr lang="en-US" dirty="0" smtClean="0"/>
               <a:t>In reality, the resistances are always &gt; 0, so W never reaches VCC or GND.</a:t>
             </a:r>
-            <a:endParaRPr lang="en-US" dirty="0" smtClean="0"/>
           </a:p>
           <a:p>
             <a:r>
@@ -9441,7 +9797,6 @@
               <a:rPr lang="en-US" dirty="0" smtClean="0"/>
               <a:t>Total resistance: 2.4KOhms</a:t>
             </a:r>
-            <a:endParaRPr lang="en-US" dirty="0" smtClean="0"/>
           </a:p>
           <a:p>
             <a:pPr lvl="1"/>
@@ -9496,166 +9851,6 @@
 </p:sld>
 </file>
 
-<file path=ppt/slides/slide7.xml><?xml version="1.0" encoding="utf-8"?>
-<p:sld xmlns:a="http://schemas.openxmlformats.org/drawingml/2006/main" xmlns:r="http://schemas.openxmlformats.org/officeDocument/2006/relationships" xmlns:p="http://schemas.openxmlformats.org/presentationml/2006/main">
-  <p:cSld>
-    <p:spTree>
-      <p:nvGrpSpPr>
-        <p:cNvPr id="1" name=""/>
-        <p:cNvGrpSpPr/>
-        <p:nvPr/>
-      </p:nvGrpSpPr>
-      <p:grpSpPr>
-        <a:xfrm>
-          <a:off x="0" y="0"/>
-          <a:ext cx="0" cy="0"/>
-          <a:chOff x="0" y="0"/>
-          <a:chExt cx="0" cy="0"/>
-        </a:xfrm>
-      </p:grpSpPr>
-      <p:sp>
-        <p:nvSpPr>
-          <p:cNvPr id="2" name="Title 1"/>
-          <p:cNvSpPr>
-            <a:spLocks noGrp="1"/>
-          </p:cNvSpPr>
-          <p:nvPr>
-            <p:ph type="title"/>
-          </p:nvPr>
-        </p:nvSpPr>
-        <p:spPr/>
-        <p:txBody>
-          <a:bodyPr/>
-          <a:lstStyle/>
-          <a:p>
-            <a:r>
-              <a:rPr lang="en-US" dirty="0" smtClean="0"/>
-              <a:t>Reading the Gimbals</a:t>
-            </a:r>
-            <a:endParaRPr lang="en-US" dirty="0"/>
-          </a:p>
-        </p:txBody>
-      </p:sp>
-      <p:sp>
-        <p:nvSpPr>
-          <p:cNvPr id="3" name="Content Placeholder 2"/>
-          <p:cNvSpPr>
-            <a:spLocks noGrp="1"/>
-          </p:cNvSpPr>
-          <p:nvPr>
-            <p:ph idx="1"/>
-          </p:nvPr>
-        </p:nvSpPr>
-        <p:spPr/>
-        <p:txBody>
-          <a:bodyPr>
-            <a:normAutofit/>
-          </a:bodyPr>
-          <a:lstStyle/>
-          <a:p>
-            <a:r>
-              <a:rPr lang="en-US" dirty="0" smtClean="0"/>
-              <a:t>The red board board has several </a:t>
-            </a:r>
-            <a:r>
-              <a:rPr lang="en-US" dirty="0" smtClean="0"/>
-              <a:t>analog input </a:t>
-            </a:r>
-            <a:r>
-              <a:rPr lang="en-US" dirty="0" smtClean="0"/>
-              <a:t>pins</a:t>
-            </a:r>
-          </a:p>
-          <a:p>
-            <a:r>
-              <a:rPr lang="en-US" dirty="0" err="1" smtClean="0"/>
-              <a:t>analogRead</a:t>
-            </a:r>
-            <a:r>
-              <a:rPr lang="en-US" dirty="0" smtClean="0"/>
-              <a:t>(</a:t>
-            </a:r>
-            <a:r>
-              <a:rPr lang="en-US" dirty="0" err="1" smtClean="0"/>
-              <a:t>int</a:t>
-            </a:r>
-            <a:r>
-              <a:rPr lang="en-US" dirty="0" smtClean="0"/>
-              <a:t> pin)</a:t>
-            </a:r>
-            <a:endParaRPr lang="en-US" dirty="0" smtClean="0"/>
-          </a:p>
-          <a:p>
-            <a:pPr lvl="1"/>
-            <a:r>
-              <a:rPr lang="en-US" dirty="0" smtClean="0"/>
-              <a:t>Takes a voltage between GND and </a:t>
-            </a:r>
-            <a:r>
-              <a:rPr lang="en-US" dirty="0" err="1" smtClean="0"/>
-              <a:t>Vcc</a:t>
-            </a:r>
-            <a:r>
-              <a:rPr lang="en-US" dirty="0" smtClean="0"/>
-              <a:t> and maps it to 0—</a:t>
-            </a:r>
-            <a:r>
-              <a:rPr lang="en-US" dirty="0" smtClean="0"/>
-              <a:t>1024</a:t>
-            </a:r>
-          </a:p>
-          <a:p>
-            <a:r>
-              <a:rPr lang="en-US" dirty="0" smtClean="0"/>
-              <a:t>Check the schematic for the remote to see which pins are attached to which gimbals</a:t>
-            </a:r>
-          </a:p>
-          <a:p>
-            <a:pPr lvl="2"/>
-            <a:r>
-              <a:rPr lang="en-US" dirty="0"/>
-              <a:t>https://</a:t>
-            </a:r>
-            <a:r>
-              <a:rPr lang="en-US" dirty="0" err="1"/>
-              <a:t>github.com</a:t>
-            </a:r>
-            <a:r>
-              <a:rPr lang="en-US" dirty="0"/>
-              <a:t>/NVSL/</a:t>
-            </a:r>
-            <a:r>
-              <a:rPr lang="en-US" dirty="0" err="1"/>
-              <a:t>Quadcopter</a:t>
-            </a:r>
-            <a:r>
-              <a:rPr lang="en-US" dirty="0"/>
-              <a:t>-Remote</a:t>
-            </a:r>
-            <a:endParaRPr lang="en-US" dirty="0" smtClean="0"/>
-          </a:p>
-        </p:txBody>
-      </p:sp>
-    </p:spTree>
-    <p:extLst>
-      <p:ext uri="{BB962C8B-B14F-4D97-AF65-F5344CB8AC3E}">
-        <p14:creationId xmlns:p14="http://schemas.microsoft.com/office/powerpoint/2010/main" val="1351373015"/>
-      </p:ext>
-    </p:extLst>
-  </p:cSld>
-  <p:clrMapOvr>
-    <a:masterClrMapping/>
-  </p:clrMapOvr>
-  <p:timing>
-    <p:tnLst>
-      <p:par>
-        <p:cTn xmlns:p14="http://schemas.microsoft.com/office/powerpoint/2010/main" id="1" dur="indefinite" restart="never" nodeType="tmRoot"/>
-      </p:par>
-    </p:tnLst>
-  </p:timing>
-</p:sld>
-</file>
-
 <file path=ppt/slides/slide8.xml><?xml version="1.0" encoding="utf-8"?>
 <p:sld xmlns:a="http://schemas.openxmlformats.org/drawingml/2006/main" xmlns:r="http://schemas.openxmlformats.org/officeDocument/2006/relationships" xmlns:p="http://schemas.openxmlformats.org/presentationml/2006/main">
   <p:cSld>
@@ -9680,17 +9875,17 @@
             <a:spLocks noGrp="1"/>
           </p:cNvSpPr>
           <p:nvPr>
-            <p:ph type="ctrTitle"/>
-          </p:nvPr>
-        </p:nvSpPr>
-        <p:spPr/>
-        <p:txBody>
-          <a:bodyPr/>
-          <a:lstStyle/>
-          <a:p>
-            <a:r>
-              <a:rPr lang="en-US" dirty="0" smtClean="0"/>
-              <a:t>Brushed DC Motors</a:t>
+            <p:ph type="title"/>
+          </p:nvPr>
+        </p:nvSpPr>
+        <p:spPr/>
+        <p:txBody>
+          <a:bodyPr/>
+          <a:lstStyle/>
+          <a:p>
+            <a:r>
+              <a:rPr lang="en-US" dirty="0" smtClean="0"/>
+              <a:t>Reading the Gimbals</a:t>
             </a:r>
             <a:endParaRPr lang="en-US" dirty="0"/>
           </a:p>
@@ -9698,27 +9893,95 @@
       </p:sp>
       <p:sp>
         <p:nvSpPr>
-          <p:cNvPr id="3" name="Subtitle 2"/>
-          <p:cNvSpPr>
-            <a:spLocks noGrp="1"/>
-          </p:cNvSpPr>
-          <p:nvPr>
-            <p:ph type="subTitle" idx="1"/>
-          </p:nvPr>
-        </p:nvSpPr>
-        <p:spPr/>
-        <p:txBody>
-          <a:bodyPr/>
-          <a:lstStyle/>
-          <a:p>
-            <a:endParaRPr lang="en-US"/>
+          <p:cNvPr id="3" name="Content Placeholder 2"/>
+          <p:cNvSpPr>
+            <a:spLocks noGrp="1"/>
+          </p:cNvSpPr>
+          <p:nvPr>
+            <p:ph idx="1"/>
+          </p:nvPr>
+        </p:nvSpPr>
+        <p:spPr/>
+        <p:txBody>
+          <a:bodyPr>
+            <a:normAutofit/>
+          </a:bodyPr>
+          <a:lstStyle/>
+          <a:p>
+            <a:r>
+              <a:rPr lang="en-US" dirty="0" smtClean="0"/>
+              <a:t>The red board board has several analog input pins</a:t>
+            </a:r>
+          </a:p>
+          <a:p>
+            <a:r>
+              <a:rPr lang="en-US" dirty="0" err="1" smtClean="0"/>
+              <a:t>analogRead</a:t>
+            </a:r>
+            <a:r>
+              <a:rPr lang="en-US" dirty="0" smtClean="0"/>
+              <a:t>(</a:t>
+            </a:r>
+            <a:r>
+              <a:rPr lang="en-US" dirty="0" err="1" smtClean="0"/>
+              <a:t>int</a:t>
+            </a:r>
+            <a:r>
+              <a:rPr lang="en-US" dirty="0" smtClean="0"/>
+              <a:t> pin)</a:t>
+            </a:r>
+          </a:p>
+          <a:p>
+            <a:pPr lvl="1"/>
+            <a:r>
+              <a:rPr lang="en-US" dirty="0" smtClean="0"/>
+              <a:t>Takes a voltage between GND and </a:t>
+            </a:r>
+            <a:r>
+              <a:rPr lang="en-US" dirty="0" err="1" smtClean="0"/>
+              <a:t>Vcc</a:t>
+            </a:r>
+            <a:r>
+              <a:rPr lang="en-US" dirty="0" smtClean="0"/>
+              <a:t> and maps it to 0—1024</a:t>
+            </a:r>
+          </a:p>
+          <a:p>
+            <a:r>
+              <a:rPr lang="en-US" dirty="0" smtClean="0"/>
+              <a:t>Check the schematic for the remote to see which pins are attached to which gimbals</a:t>
+            </a:r>
+          </a:p>
+          <a:p>
+            <a:pPr lvl="2"/>
+            <a:r>
+              <a:rPr lang="en-US" dirty="0"/>
+              <a:t>https://</a:t>
+            </a:r>
+            <a:r>
+              <a:rPr lang="en-US" dirty="0" err="1"/>
+              <a:t>github.com</a:t>
+            </a:r>
+            <a:r>
+              <a:rPr lang="en-US" dirty="0"/>
+              <a:t>/NVSL/</a:t>
+            </a:r>
+            <a:r>
+              <a:rPr lang="en-US" dirty="0" err="1"/>
+              <a:t>Quadcopter</a:t>
+            </a:r>
+            <a:r>
+              <a:rPr lang="en-US" dirty="0"/>
+              <a:t>-Remote</a:t>
+            </a:r>
+            <a:endParaRPr lang="en-US" dirty="0" smtClean="0"/>
           </a:p>
         </p:txBody>
       </p:sp>
     </p:spTree>
     <p:extLst>
       <p:ext uri="{BB962C8B-B14F-4D97-AF65-F5344CB8AC3E}">
-        <p14:creationId xmlns:p14="http://schemas.microsoft.com/office/powerpoint/2010/main" val="2240597199"/>
+        <p14:creationId xmlns:p14="http://schemas.microsoft.com/office/powerpoint/2010/main" val="1351373015"/>
       </p:ext>
     </p:extLst>
   </p:cSld>
@@ -9754,231 +10017,56 @@
       </p:grpSpPr>
       <p:sp>
         <p:nvSpPr>
-          <p:cNvPr id="30" name="Shape 30"/>
-          <p:cNvSpPr>
-            <a:spLocks noGrp="1"/>
-          </p:cNvSpPr>
-          <p:nvPr>
-            <p:ph type="title"/>
-          </p:nvPr>
-        </p:nvSpPr>
-        <p:spPr/>
-        <p:txBody>
-          <a:bodyPr/>
-          <a:lstStyle>
-            <a:lvl1pPr defTabSz="768095">
-              <a:defRPr sz="6719"/>
-            </a:lvl1pPr>
-          </a:lstStyle>
-          <a:p>
-            <a:pPr lvl="0"/>
-            <a:r>
-              <a:rPr lang="en-US" smtClean="0"/>
-              <a:t>Brushed Motors</a:t>
-            </a:r>
+          <p:cNvPr id="2" name="Title 1"/>
+          <p:cNvSpPr>
+            <a:spLocks noGrp="1"/>
+          </p:cNvSpPr>
+          <p:nvPr>
+            <p:ph type="ctrTitle"/>
+          </p:nvPr>
+        </p:nvSpPr>
+        <p:spPr/>
+        <p:txBody>
+          <a:bodyPr/>
+          <a:lstStyle/>
+          <a:p>
+            <a:r>
+              <a:rPr lang="en-US" dirty="0" smtClean="0"/>
+              <a:t>Brushed DC Motors</a:t>
+            </a:r>
+            <a:endParaRPr lang="en-US" dirty="0"/>
+          </a:p>
+        </p:txBody>
+      </p:sp>
+      <p:sp>
+        <p:nvSpPr>
+          <p:cNvPr id="3" name="Subtitle 2"/>
+          <p:cNvSpPr>
+            <a:spLocks noGrp="1"/>
+          </p:cNvSpPr>
+          <p:nvPr>
+            <p:ph type="subTitle" idx="1"/>
+          </p:nvPr>
+        </p:nvSpPr>
+        <p:spPr/>
+        <p:txBody>
+          <a:bodyPr/>
+          <a:lstStyle/>
+          <a:p>
             <a:endParaRPr lang="en-US"/>
           </a:p>
         </p:txBody>
       </p:sp>
-      <p:sp>
-        <p:nvSpPr>
-          <p:cNvPr id="4" name="Content Placeholder 3"/>
-          <p:cNvSpPr>
-            <a:spLocks noGrp="1"/>
-          </p:cNvSpPr>
-          <p:nvPr>
-            <p:ph idx="1"/>
-          </p:nvPr>
-        </p:nvSpPr>
-        <p:spPr/>
-        <p:txBody>
-          <a:bodyPr/>
-          <a:lstStyle/>
-          <a:p>
-            <a:endParaRPr lang="en-US"/>
-          </a:p>
-        </p:txBody>
-      </p:sp>
-      <p:pic>
-        <p:nvPicPr>
-          <p:cNvPr id="32" name="image04.jpg"/>
-          <p:cNvPicPr/>
-          <p:nvPr/>
-        </p:nvPicPr>
-        <p:blipFill>
-          <a:blip r:embed="rId2">
-            <a:extLst/>
-          </a:blip>
-          <a:stretch>
-            <a:fillRect/>
-          </a:stretch>
-        </p:blipFill>
-        <p:spPr>
-          <a:xfrm>
-            <a:off x="457187" y="2057400"/>
-            <a:ext cx="2466976" cy="1847851"/>
-          </a:xfrm>
-          <a:prstGeom prst="rect">
-            <a:avLst/>
-          </a:prstGeom>
-          <a:ln w="12700">
-            <a:miter lim="400000"/>
-          </a:ln>
-        </p:spPr>
-      </p:pic>
-      <p:pic>
-        <p:nvPicPr>
-          <p:cNvPr id="33" name="image01.jpg"/>
-          <p:cNvPicPr/>
-          <p:nvPr/>
-        </p:nvPicPr>
-        <p:blipFill>
-          <a:blip r:embed="rId3">
-            <a:extLst/>
-          </a:blip>
-          <a:stretch>
-            <a:fillRect/>
-          </a:stretch>
-        </p:blipFill>
-        <p:spPr>
-          <a:xfrm>
-            <a:off x="2924162" y="2057400"/>
-            <a:ext cx="2466975" cy="1847851"/>
-          </a:xfrm>
-          <a:prstGeom prst="rect">
-            <a:avLst/>
-          </a:prstGeom>
-          <a:ln w="12700">
-            <a:miter lim="400000"/>
-          </a:ln>
-        </p:spPr>
-      </p:pic>
-      <p:pic>
-        <p:nvPicPr>
-          <p:cNvPr id="34" name="image03.jpg"/>
-          <p:cNvPicPr/>
-          <p:nvPr/>
-        </p:nvPicPr>
-        <p:blipFill>
-          <a:blip r:embed="rId4">
-            <a:extLst/>
-          </a:blip>
-          <a:stretch>
-            <a:fillRect/>
-          </a:stretch>
-        </p:blipFill>
-        <p:spPr>
-          <a:xfrm>
-            <a:off x="5330599" y="2057400"/>
-            <a:ext cx="2299070" cy="1847851"/>
-          </a:xfrm>
-          <a:prstGeom prst="rect">
-            <a:avLst/>
-          </a:prstGeom>
-          <a:ln w="12700">
-            <a:miter lim="400000"/>
-          </a:ln>
-        </p:spPr>
-      </p:pic>
-      <p:pic>
-        <p:nvPicPr>
-          <p:cNvPr id="35" name="image05.jpg"/>
-          <p:cNvPicPr/>
-          <p:nvPr/>
-        </p:nvPicPr>
-        <p:blipFill>
-          <a:blip r:embed="rId5">
-            <a:extLst/>
-          </a:blip>
-          <a:stretch>
-            <a:fillRect/>
-          </a:stretch>
-        </p:blipFill>
-        <p:spPr>
-          <a:xfrm>
-            <a:off x="723950" y="3905250"/>
-            <a:ext cx="1847850" cy="1847850"/>
-          </a:xfrm>
-          <a:prstGeom prst="rect">
-            <a:avLst/>
-          </a:prstGeom>
-          <a:ln w="12700">
-            <a:miter lim="400000"/>
-          </a:ln>
-        </p:spPr>
-      </p:pic>
-      <p:pic>
-        <p:nvPicPr>
-          <p:cNvPr id="36" name="image02.jpg"/>
-          <p:cNvPicPr/>
-          <p:nvPr/>
-        </p:nvPicPr>
-        <p:blipFill>
-          <a:blip r:embed="rId6">
-            <a:extLst/>
-          </a:blip>
-          <a:stretch>
-            <a:fillRect/>
-          </a:stretch>
-        </p:blipFill>
-        <p:spPr>
-          <a:xfrm>
-            <a:off x="2933687" y="3895725"/>
-            <a:ext cx="2447926" cy="1866901"/>
-          </a:xfrm>
-          <a:prstGeom prst="rect">
-            <a:avLst/>
-          </a:prstGeom>
-          <a:ln w="12700">
-            <a:miter lim="400000"/>
-          </a:ln>
-        </p:spPr>
-      </p:pic>
-      <p:pic>
-        <p:nvPicPr>
-          <p:cNvPr id="37" name="image00.jpg"/>
-          <p:cNvPicPr/>
-          <p:nvPr/>
-        </p:nvPicPr>
-        <p:blipFill>
-          <a:blip r:embed="rId7">
-            <a:extLst/>
-          </a:blip>
-          <a:stretch>
-            <a:fillRect/>
-          </a:stretch>
-        </p:blipFill>
-        <p:spPr>
-          <a:xfrm>
-            <a:off x="5672873" y="3905248"/>
-            <a:ext cx="1847850" cy="1847850"/>
-          </a:xfrm>
-          <a:prstGeom prst="rect">
-            <a:avLst/>
-          </a:prstGeom>
-          <a:ln w="12700">
-            <a:miter lim="400000"/>
-          </a:ln>
-        </p:spPr>
-      </p:pic>
     </p:spTree>
     <p:extLst>
       <p:ext uri="{BB962C8B-B14F-4D97-AF65-F5344CB8AC3E}">
-        <p14:creationId xmlns:p14="http://schemas.microsoft.com/office/powerpoint/2010/main" val="3274102892"/>
+        <p14:creationId xmlns:p14="http://schemas.microsoft.com/office/powerpoint/2010/main" val="2240597199"/>
       </p:ext>
     </p:extLst>
   </p:cSld>
   <p:clrMapOvr>
     <a:masterClrMapping/>
   </p:clrMapOvr>
-  <mc:AlternateContent xmlns:mc="http://schemas.openxmlformats.org/markup-compatibility/2006" xmlns:p14="http://schemas.microsoft.com/office/powerpoint/2010/main">
-    <mc:Choice Requires="p14">
-      <p:transition spd="slow" p14:dur="2000"/>
-    </mc:Choice>
-    <mc:Fallback xmlns="">
-      <p:transition xmlns:p14="http://schemas.microsoft.com/office/powerpoint/2010/main" spd="slow"/>
-    </mc:Fallback>
-  </mc:AlternateContent>
   <p:timing>
     <p:tnLst>
       <p:par>
